--- a/CS112.Presentation.pptx
+++ b/CS112.Presentation.pptx
@@ -1,38 +1,26 @@
 
 <file path=ppt/presentation.xml><?xml version="1.0" encoding="utf-8"?>
-<p:presentation xmlns:a="http://schemas.openxmlformats.org/drawingml/2006/main" xmlns:r="http://schemas.openxmlformats.org/officeDocument/2006/relationships" xmlns:mc="http://schemas.openxmlformats.org/markup-compatibility/2006" xmlns:mv="urn:schemas-microsoft-com:mac:vml" xmlns:p="http://schemas.openxmlformats.org/presentationml/2006/main" xmlns:c="http://schemas.openxmlformats.org/drawingml/2006/chart" xmlns:dgm="http://schemas.openxmlformats.org/drawingml/2006/diagram" xmlns:o="urn:schemas-microsoft-com:office:office" xmlns:v="urn:schemas-microsoft-com:vml" xmlns:pvml="urn:schemas-microsoft-com:office:powerpoint" xmlns:com="http://schemas.openxmlformats.org/drawingml/2006/compatibility" xmlns:p14="http://schemas.microsoft.com/office/powerpoint/2010/main" autoCompressPictures="0" embedTrueTypeFonts="1" strictFirstAndLastChars="0" saveSubsetFonts="1">
+<p:presentation xmlns:a="http://schemas.openxmlformats.org/drawingml/2006/main" xmlns:r="http://schemas.openxmlformats.org/officeDocument/2006/relationships" xmlns:p="http://schemas.openxmlformats.org/presentationml/2006/main" strictFirstAndLastChars="0" embedTrueTypeFonts="1" saveSubsetFonts="1" autoCompressPictures="0">
   <p:sldMasterIdLst>
-    <p:sldMasterId id="2147483659" r:id="rId3"/>
+    <p:sldMasterId id="2147483659" r:id="rId1"/>
   </p:sldMasterIdLst>
   <p:notesMasterIdLst>
-    <p:notesMasterId r:id="rId4"/>
+    <p:notesMasterId r:id="rId10"/>
   </p:notesMasterIdLst>
   <p:sldIdLst>
-    <p:sldId id="256" r:id="rId5"/>
-    <p:sldId id="257" r:id="rId6"/>
-    <p:sldId id="258" r:id="rId7"/>
-    <p:sldId id="259" r:id="rId8"/>
-    <p:sldId id="260" r:id="rId9"/>
-    <p:sldId id="261" r:id="rId10"/>
-    <p:sldId id="262" r:id="rId11"/>
-    <p:sldId id="263" r:id="rId12"/>
+    <p:sldId id="256" r:id="rId2"/>
+    <p:sldId id="257" r:id="rId3"/>
+    <p:sldId id="258" r:id="rId4"/>
+    <p:sldId id="259" r:id="rId5"/>
+    <p:sldId id="260" r:id="rId6"/>
+    <p:sldId id="261" r:id="rId7"/>
+    <p:sldId id="262" r:id="rId8"/>
+    <p:sldId id="263" r:id="rId9"/>
   </p:sldIdLst>
-  <p:sldSz cy="5143500" cx="9144000"/>
+  <p:sldSz cx="9144000" cy="5143500" type="screen16x9"/>
   <p:notesSz cx="6858000" cy="9144000"/>
-  <p:embeddedFontLst>
-    <p:embeddedFont>
-      <p:font typeface="Amatic SC"/>
-      <p:regular r:id="rId13"/>
-      <p:bold r:id="rId14"/>
-    </p:embeddedFont>
-    <p:embeddedFont>
-      <p:font typeface="Source Code Pro"/>
-      <p:regular r:id="rId15"/>
-      <p:bold r:id="rId16"/>
-    </p:embeddedFont>
-  </p:embeddedFontLst>
   <p:defaultTextStyle>
-    <a:defPPr lvl="0" marR="0" rtl="0" algn="l">
+    <a:defPPr marR="0" lvl="0" algn="l" rtl="0">
       <a:lnSpc>
         <a:spcPct val="100000"/>
       </a:lnSpc>
@@ -43,7 +31,7 @@
         <a:spcPts val="0"/>
       </a:spcAft>
     </a:defPPr>
-    <a:lvl1pPr lvl="0" marR="0" rtl="0" algn="l">
+    <a:lvl1pPr marR="0" lvl="0" algn="l" rtl="0">
       <a:lnSpc>
         <a:spcPct val="100000"/>
       </a:lnSpc>
@@ -54,7 +42,7 @@
         <a:spcPts val="0"/>
       </a:spcAft>
       <a:buNone/>
-      <a:defRPr b="0" i="0" sz="1400" u="none" cap="none" strike="noStrike">
+      <a:defRPr sz="1400" b="0" i="0" u="none" strike="noStrike" cap="none">
         <a:solidFill>
           <a:srgbClr val="000000"/>
         </a:solidFill>
@@ -64,7 +52,7 @@
         <a:sym typeface="Arial"/>
       </a:defRPr>
     </a:lvl1pPr>
-    <a:lvl2pPr lvl="1" marR="0" rtl="0" algn="l">
+    <a:lvl2pPr marR="0" lvl="1" algn="l" rtl="0">
       <a:lnSpc>
         <a:spcPct val="100000"/>
       </a:lnSpc>
@@ -75,7 +63,7 @@
         <a:spcPts val="0"/>
       </a:spcAft>
       <a:buNone/>
-      <a:defRPr b="0" i="0" sz="1400" u="none" cap="none" strike="noStrike">
+      <a:defRPr sz="1400" b="0" i="0" u="none" strike="noStrike" cap="none">
         <a:solidFill>
           <a:srgbClr val="000000"/>
         </a:solidFill>
@@ -85,7 +73,7 @@
         <a:sym typeface="Arial"/>
       </a:defRPr>
     </a:lvl2pPr>
-    <a:lvl3pPr lvl="2" marR="0" rtl="0" algn="l">
+    <a:lvl3pPr marR="0" lvl="2" algn="l" rtl="0">
       <a:lnSpc>
         <a:spcPct val="100000"/>
       </a:lnSpc>
@@ -96,7 +84,7 @@
         <a:spcPts val="0"/>
       </a:spcAft>
       <a:buNone/>
-      <a:defRPr b="0" i="0" sz="1400" u="none" cap="none" strike="noStrike">
+      <a:defRPr sz="1400" b="0" i="0" u="none" strike="noStrike" cap="none">
         <a:solidFill>
           <a:srgbClr val="000000"/>
         </a:solidFill>
@@ -106,7 +94,7 @@
         <a:sym typeface="Arial"/>
       </a:defRPr>
     </a:lvl3pPr>
-    <a:lvl4pPr lvl="3" marR="0" rtl="0" algn="l">
+    <a:lvl4pPr marR="0" lvl="3" algn="l" rtl="0">
       <a:lnSpc>
         <a:spcPct val="100000"/>
       </a:lnSpc>
@@ -117,7 +105,7 @@
         <a:spcPts val="0"/>
       </a:spcAft>
       <a:buNone/>
-      <a:defRPr b="0" i="0" sz="1400" u="none" cap="none" strike="noStrike">
+      <a:defRPr sz="1400" b="0" i="0" u="none" strike="noStrike" cap="none">
         <a:solidFill>
           <a:srgbClr val="000000"/>
         </a:solidFill>
@@ -127,7 +115,7 @@
         <a:sym typeface="Arial"/>
       </a:defRPr>
     </a:lvl4pPr>
-    <a:lvl5pPr lvl="4" marR="0" rtl="0" algn="l">
+    <a:lvl5pPr marR="0" lvl="4" algn="l" rtl="0">
       <a:lnSpc>
         <a:spcPct val="100000"/>
       </a:lnSpc>
@@ -138,7 +126,7 @@
         <a:spcPts val="0"/>
       </a:spcAft>
       <a:buNone/>
-      <a:defRPr b="0" i="0" sz="1400" u="none" cap="none" strike="noStrike">
+      <a:defRPr sz="1400" b="0" i="0" u="none" strike="noStrike" cap="none">
         <a:solidFill>
           <a:srgbClr val="000000"/>
         </a:solidFill>
@@ -148,7 +136,7 @@
         <a:sym typeface="Arial"/>
       </a:defRPr>
     </a:lvl5pPr>
-    <a:lvl6pPr lvl="5" marR="0" rtl="0" algn="l">
+    <a:lvl6pPr marR="0" lvl="5" algn="l" rtl="0">
       <a:lnSpc>
         <a:spcPct val="100000"/>
       </a:lnSpc>
@@ -159,7 +147,7 @@
         <a:spcPts val="0"/>
       </a:spcAft>
       <a:buNone/>
-      <a:defRPr b="0" i="0" sz="1400" u="none" cap="none" strike="noStrike">
+      <a:defRPr sz="1400" b="0" i="0" u="none" strike="noStrike" cap="none">
         <a:solidFill>
           <a:srgbClr val="000000"/>
         </a:solidFill>
@@ -169,7 +157,7 @@
         <a:sym typeface="Arial"/>
       </a:defRPr>
     </a:lvl6pPr>
-    <a:lvl7pPr lvl="6" marR="0" rtl="0" algn="l">
+    <a:lvl7pPr marR="0" lvl="6" algn="l" rtl="0">
       <a:lnSpc>
         <a:spcPct val="100000"/>
       </a:lnSpc>
@@ -180,7 +168,7 @@
         <a:spcPts val="0"/>
       </a:spcAft>
       <a:buNone/>
-      <a:defRPr b="0" i="0" sz="1400" u="none" cap="none" strike="noStrike">
+      <a:defRPr sz="1400" b="0" i="0" u="none" strike="noStrike" cap="none">
         <a:solidFill>
           <a:srgbClr val="000000"/>
         </a:solidFill>
@@ -190,7 +178,7 @@
         <a:sym typeface="Arial"/>
       </a:defRPr>
     </a:lvl7pPr>
-    <a:lvl8pPr lvl="7" marR="0" rtl="0" algn="l">
+    <a:lvl8pPr marR="0" lvl="7" algn="l" rtl="0">
       <a:lnSpc>
         <a:spcPct val="100000"/>
       </a:lnSpc>
@@ -201,7 +189,7 @@
         <a:spcPts val="0"/>
       </a:spcAft>
       <a:buNone/>
-      <a:defRPr b="0" i="0" sz="1400" u="none" cap="none" strike="noStrike">
+      <a:defRPr sz="1400" b="0" i="0" u="none" strike="noStrike" cap="none">
         <a:solidFill>
           <a:srgbClr val="000000"/>
         </a:solidFill>
@@ -211,7 +199,7 @@
         <a:sym typeface="Arial"/>
       </a:defRPr>
     </a:lvl8pPr>
-    <a:lvl9pPr lvl="8" marR="0" rtl="0" algn="l">
+    <a:lvl9pPr marR="0" lvl="8" algn="l" rtl="0">
       <a:lnSpc>
         <a:spcPct val="100000"/>
       </a:lnSpc>
@@ -222,7 +210,7 @@
         <a:spcPts val="0"/>
       </a:spcAft>
       <a:buNone/>
-      <a:defRPr b="0" i="0" sz="1400" u="none" cap="none" strike="noStrike">
+      <a:defRPr sz="1400" b="0" i="0" u="none" strike="noStrike" cap="none">
         <a:solidFill>
           <a:srgbClr val="000000"/>
         </a:solidFill>
@@ -237,11 +225,16 @@
 </file>
 
 <file path=ppt/notesMasters/notesMaster1.xml><?xml version="1.0" encoding="utf-8"?>
-<p:notesMaster xmlns:a="http://schemas.openxmlformats.org/drawingml/2006/main" xmlns:r="http://schemas.openxmlformats.org/officeDocument/2006/relationships" xmlns:mc="http://schemas.openxmlformats.org/markup-compatibility/2006" xmlns:mv="urn:schemas-microsoft-com:mac:vml" xmlns:p="http://schemas.openxmlformats.org/presentationml/2006/main" xmlns:c="http://schemas.openxmlformats.org/drawingml/2006/chart" xmlns:dgm="http://schemas.openxmlformats.org/drawingml/2006/diagram" xmlns:o="urn:schemas-microsoft-com:office:office" xmlns:v="urn:schemas-microsoft-com:vml" xmlns:pvml="urn:schemas-microsoft-com:office:powerpoint" xmlns:com="http://schemas.openxmlformats.org/drawingml/2006/compatibility" xmlns:p14="http://schemas.microsoft.com/office/powerpoint/2010/main">
+<p:notesMaster xmlns:a="http://schemas.openxmlformats.org/drawingml/2006/main" xmlns:r="http://schemas.openxmlformats.org/officeDocument/2006/relationships" xmlns:p="http://schemas.openxmlformats.org/presentationml/2006/main">
   <p:cSld>
+    <p:bg>
+      <p:bgRef idx="1001">
+        <a:schemeClr val="bg1"/>
+      </p:bgRef>
+    </p:bg>
     <p:spTree>
       <p:nvGrpSpPr>
-        <p:cNvPr id="2" name="Shape 2"/>
+        <p:cNvPr id="1" name="Shape 2"/>
         <p:cNvGrpSpPr/>
         <p:nvPr/>
       </p:nvGrpSpPr>
@@ -256,9 +249,11 @@
       <p:sp>
         <p:nvSpPr>
           <p:cNvPr id="3" name="Shape 3"/>
-          <p:cNvSpPr/>
+          <p:cNvSpPr>
+            <a:spLocks noGrp="1" noRot="1" noChangeAspect="1"/>
+          </p:cNvSpPr>
           <p:nvPr>
-            <p:ph idx="2" type="sldImg"/>
+            <p:ph type="sldImg" idx="2"/>
           </p:nvPr>
         </p:nvSpPr>
         <p:spPr>
@@ -267,8 +262,13 @@
             <a:ext cx="6096075" cy="3429000"/>
           </a:xfrm>
           <a:custGeom>
+            <a:avLst/>
+            <a:gdLst/>
+            <a:ahLst/>
+            <a:cxnLst/>
+            <a:rect l="0" t="0" r="0" b="0"/>
             <a:pathLst>
-              <a:path extrusionOk="0" h="120000" w="120000">
+              <a:path w="120000" h="120000" extrusionOk="0">
                 <a:moveTo>
                   <a:pt x="0" y="0"/>
                 </a:moveTo>
@@ -286,23 +286,25 @@
             </a:pathLst>
           </a:custGeom>
           <a:noFill/>
-          <a:ln cap="flat" cmpd="sng" w="9525">
+          <a:ln w="9525" cap="flat" cmpd="sng">
             <a:solidFill>
               <a:srgbClr val="000000"/>
             </a:solidFill>
             <a:prstDash val="solid"/>
             <a:round/>
-            <a:headEnd len="med" w="med" type="none"/>
-            <a:tailEnd len="med" w="med" type="none"/>
+            <a:headEnd type="none" w="med" len="med"/>
+            <a:tailEnd type="none" w="med" len="med"/>
           </a:ln>
         </p:spPr>
       </p:sp>
       <p:sp>
         <p:nvSpPr>
           <p:cNvPr id="4" name="Shape 4"/>
-          <p:cNvSpPr txBox="1"/>
+          <p:cNvSpPr txBox="1">
+            <a:spLocks noGrp="1"/>
+          </p:cNvSpPr>
           <p:nvPr>
-            <p:ph idx="1" type="body"/>
+            <p:ph type="body" idx="1"/>
           </p:nvPr>
         </p:nvSpPr>
         <p:spPr>
@@ -319,7 +321,7 @@
           </a:ln>
         </p:spPr>
         <p:txBody>
-          <a:bodyPr anchorCtr="0" anchor="t" bIns="91425" lIns="91425" rIns="91425" tIns="91425"/>
+          <a:bodyPr lIns="91425" tIns="91425" rIns="91425" bIns="91425" anchor="t" anchorCtr="0"/>
           <a:lstStyle>
             <a:lvl1pPr lvl="0">
               <a:spcBef>
@@ -376,21 +378,120 @@
               <a:defRPr sz="1100"/>
             </a:lvl9pPr>
           </a:lstStyle>
-          <a:p/>
+          <a:p>
+            <a:endParaRPr/>
+          </a:p>
         </p:txBody>
       </p:sp>
     </p:spTree>
+    <p:extLst>
+      <p:ext uri="{BB962C8B-B14F-4D97-AF65-F5344CB8AC3E}">
+        <p14:creationId xmlns:p14="http://schemas.microsoft.com/office/powerpoint/2010/main" val="776371172"/>
+      </p:ext>
+    </p:extLst>
   </p:cSld>
-  <p:clrMap accent1="accent1" accent2="accent2" accent3="accent3" accent4="accent4" accent5="accent5" accent6="accent6" bg1="lt1" bg2="dk2" tx1="dk1" tx2="lt2" folHlink="folHlink" hlink="hlink"/>
+  <p:clrMap bg1="lt1" tx1="dk1" bg2="dk2" tx2="lt2" accent1="accent1" accent2="accent2" accent3="accent3" accent4="accent4" accent5="accent5" accent6="accent6" hlink="hlink" folHlink="folHlink"/>
+  <p:notesStyle>
+    <a:lvl1pPr marL="0" algn="l" defTabSz="457200" rtl="0" eaLnBrk="1" latinLnBrk="0" hangingPunct="1">
+      <a:defRPr sz="1200" kern="1200">
+        <a:solidFill>
+          <a:schemeClr val="tx1"/>
+        </a:solidFill>
+        <a:latin typeface="+mn-lt"/>
+        <a:ea typeface="+mn-ea"/>
+        <a:cs typeface="+mn-cs"/>
+      </a:defRPr>
+    </a:lvl1pPr>
+    <a:lvl2pPr marL="457200" algn="l" defTabSz="457200" rtl="0" eaLnBrk="1" latinLnBrk="0" hangingPunct="1">
+      <a:defRPr sz="1200" kern="1200">
+        <a:solidFill>
+          <a:schemeClr val="tx1"/>
+        </a:solidFill>
+        <a:latin typeface="+mn-lt"/>
+        <a:ea typeface="+mn-ea"/>
+        <a:cs typeface="+mn-cs"/>
+      </a:defRPr>
+    </a:lvl2pPr>
+    <a:lvl3pPr marL="914400" algn="l" defTabSz="457200" rtl="0" eaLnBrk="1" latinLnBrk="0" hangingPunct="1">
+      <a:defRPr sz="1200" kern="1200">
+        <a:solidFill>
+          <a:schemeClr val="tx1"/>
+        </a:solidFill>
+        <a:latin typeface="+mn-lt"/>
+        <a:ea typeface="+mn-ea"/>
+        <a:cs typeface="+mn-cs"/>
+      </a:defRPr>
+    </a:lvl3pPr>
+    <a:lvl4pPr marL="1371600" algn="l" defTabSz="457200" rtl="0" eaLnBrk="1" latinLnBrk="0" hangingPunct="1">
+      <a:defRPr sz="1200" kern="1200">
+        <a:solidFill>
+          <a:schemeClr val="tx1"/>
+        </a:solidFill>
+        <a:latin typeface="+mn-lt"/>
+        <a:ea typeface="+mn-ea"/>
+        <a:cs typeface="+mn-cs"/>
+      </a:defRPr>
+    </a:lvl4pPr>
+    <a:lvl5pPr marL="1828800" algn="l" defTabSz="457200" rtl="0" eaLnBrk="1" latinLnBrk="0" hangingPunct="1">
+      <a:defRPr sz="1200" kern="1200">
+        <a:solidFill>
+          <a:schemeClr val="tx1"/>
+        </a:solidFill>
+        <a:latin typeface="+mn-lt"/>
+        <a:ea typeface="+mn-ea"/>
+        <a:cs typeface="+mn-cs"/>
+      </a:defRPr>
+    </a:lvl5pPr>
+    <a:lvl6pPr marL="2286000" algn="l" defTabSz="457200" rtl="0" eaLnBrk="1" latinLnBrk="0" hangingPunct="1">
+      <a:defRPr sz="1200" kern="1200">
+        <a:solidFill>
+          <a:schemeClr val="tx1"/>
+        </a:solidFill>
+        <a:latin typeface="+mn-lt"/>
+        <a:ea typeface="+mn-ea"/>
+        <a:cs typeface="+mn-cs"/>
+      </a:defRPr>
+    </a:lvl6pPr>
+    <a:lvl7pPr marL="2743200" algn="l" defTabSz="457200" rtl="0" eaLnBrk="1" latinLnBrk="0" hangingPunct="1">
+      <a:defRPr sz="1200" kern="1200">
+        <a:solidFill>
+          <a:schemeClr val="tx1"/>
+        </a:solidFill>
+        <a:latin typeface="+mn-lt"/>
+        <a:ea typeface="+mn-ea"/>
+        <a:cs typeface="+mn-cs"/>
+      </a:defRPr>
+    </a:lvl7pPr>
+    <a:lvl8pPr marL="3200400" algn="l" defTabSz="457200" rtl="0" eaLnBrk="1" latinLnBrk="0" hangingPunct="1">
+      <a:defRPr sz="1200" kern="1200">
+        <a:solidFill>
+          <a:schemeClr val="tx1"/>
+        </a:solidFill>
+        <a:latin typeface="+mn-lt"/>
+        <a:ea typeface="+mn-ea"/>
+        <a:cs typeface="+mn-cs"/>
+      </a:defRPr>
+    </a:lvl8pPr>
+    <a:lvl9pPr marL="3657600" algn="l" defTabSz="457200" rtl="0" eaLnBrk="1" latinLnBrk="0" hangingPunct="1">
+      <a:defRPr sz="1200" kern="1200">
+        <a:solidFill>
+          <a:schemeClr val="tx1"/>
+        </a:solidFill>
+        <a:latin typeface="+mn-lt"/>
+        <a:ea typeface="+mn-ea"/>
+        <a:cs typeface="+mn-cs"/>
+      </a:defRPr>
+    </a:lvl9pPr>
+  </p:notesStyle>
 </p:notesMaster>
 </file>
 
 <file path=ppt/notesSlides/notesSlide1.xml><?xml version="1.0" encoding="utf-8"?>
-<p:notes xmlns:a="http://schemas.openxmlformats.org/drawingml/2006/main" xmlns:r="http://schemas.openxmlformats.org/officeDocument/2006/relationships" xmlns:mc="http://schemas.openxmlformats.org/markup-compatibility/2006" xmlns:mv="urn:schemas-microsoft-com:mac:vml" xmlns:p="http://schemas.openxmlformats.org/presentationml/2006/main" xmlns:c="http://schemas.openxmlformats.org/drawingml/2006/chart" xmlns:dgm="http://schemas.openxmlformats.org/drawingml/2006/diagram" xmlns:o="urn:schemas-microsoft-com:office:office" xmlns:v="urn:schemas-microsoft-com:vml" xmlns:pvml="urn:schemas-microsoft-com:office:powerpoint" xmlns:com="http://schemas.openxmlformats.org/drawingml/2006/compatibility" xmlns:p14="http://schemas.microsoft.com/office/powerpoint/2010/main" showMasterPhAnim="0" showMasterSp="0">
+<p:notes xmlns:a="http://schemas.openxmlformats.org/drawingml/2006/main" xmlns:r="http://schemas.openxmlformats.org/officeDocument/2006/relationships" xmlns:p="http://schemas.openxmlformats.org/presentationml/2006/main" showMasterSp="0" showMasterPhAnim="0">
   <p:cSld>
     <p:spTree>
       <p:nvGrpSpPr>
-        <p:cNvPr id="52" name="Shape 52"/>
+        <p:cNvPr id="1" name="Shape 52"/>
         <p:cNvGrpSpPr/>
         <p:nvPr/>
       </p:nvGrpSpPr>
@@ -405,9 +506,11 @@
       <p:sp>
         <p:nvSpPr>
           <p:cNvPr id="53" name="Shape 53"/>
-          <p:cNvSpPr/>
+          <p:cNvSpPr>
+            <a:spLocks noGrp="1" noRot="1" noChangeAspect="1"/>
+          </p:cNvSpPr>
           <p:nvPr>
-            <p:ph idx="2" type="sldImg"/>
+            <p:ph type="sldImg" idx="2"/>
           </p:nvPr>
         </p:nvSpPr>
         <p:spPr>
@@ -416,8 +519,13 @@
             <a:ext cx="6096075" cy="3429000"/>
           </a:xfrm>
           <a:custGeom>
+            <a:avLst/>
+            <a:gdLst/>
+            <a:ahLst/>
+            <a:cxnLst/>
+            <a:rect l="0" t="0" r="0" b="0"/>
             <a:pathLst>
-              <a:path extrusionOk="0" h="120000" w="120000">
+              <a:path w="120000" h="120000" extrusionOk="0">
                 <a:moveTo>
                   <a:pt x="0" y="0"/>
                 </a:moveTo>
@@ -439,9 +547,11 @@
       <p:sp>
         <p:nvSpPr>
           <p:cNvPr id="54" name="Shape 54"/>
-          <p:cNvSpPr txBox="1"/>
+          <p:cNvSpPr txBox="1">
+            <a:spLocks noGrp="1"/>
+          </p:cNvSpPr>
           <p:nvPr>
-            <p:ph idx="1" type="body"/>
+            <p:ph type="body" idx="1"/>
           </p:nvPr>
         </p:nvSpPr>
         <p:spPr>
@@ -454,7 +564,7 @@
           </a:prstGeom>
         </p:spPr>
         <p:txBody>
-          <a:bodyPr anchorCtr="0" anchor="t" bIns="91425" lIns="91425" rIns="91425" tIns="91425">
+          <a:bodyPr lIns="91425" tIns="91425" rIns="91425" bIns="91425" anchor="t" anchorCtr="0">
             <a:noAutofit/>
           </a:bodyPr>
           <a:lstStyle/>
@@ -481,11 +591,11 @@
 </file>
 
 <file path=ppt/notesSlides/notesSlide2.xml><?xml version="1.0" encoding="utf-8"?>
-<p:notes xmlns:a="http://schemas.openxmlformats.org/drawingml/2006/main" xmlns:r="http://schemas.openxmlformats.org/officeDocument/2006/relationships" xmlns:mc="http://schemas.openxmlformats.org/markup-compatibility/2006" xmlns:mv="urn:schemas-microsoft-com:mac:vml" xmlns:p="http://schemas.openxmlformats.org/presentationml/2006/main" xmlns:c="http://schemas.openxmlformats.org/drawingml/2006/chart" xmlns:dgm="http://schemas.openxmlformats.org/drawingml/2006/diagram" xmlns:o="urn:schemas-microsoft-com:office:office" xmlns:v="urn:schemas-microsoft-com:vml" xmlns:pvml="urn:schemas-microsoft-com:office:powerpoint" xmlns:com="http://schemas.openxmlformats.org/drawingml/2006/compatibility" xmlns:p14="http://schemas.microsoft.com/office/powerpoint/2010/main" showMasterPhAnim="0" showMasterSp="0">
+<p:notes xmlns:a="http://schemas.openxmlformats.org/drawingml/2006/main" xmlns:r="http://schemas.openxmlformats.org/officeDocument/2006/relationships" xmlns:p="http://schemas.openxmlformats.org/presentationml/2006/main" showMasterSp="0" showMasterPhAnim="0">
   <p:cSld>
     <p:spTree>
       <p:nvGrpSpPr>
-        <p:cNvPr id="58" name="Shape 58"/>
+        <p:cNvPr id="1" name="Shape 58"/>
         <p:cNvGrpSpPr/>
         <p:nvPr/>
       </p:nvGrpSpPr>
@@ -500,9 +610,11 @@
       <p:sp>
         <p:nvSpPr>
           <p:cNvPr id="59" name="Shape 59"/>
-          <p:cNvSpPr/>
+          <p:cNvSpPr>
+            <a:spLocks noGrp="1" noRot="1" noChangeAspect="1"/>
+          </p:cNvSpPr>
           <p:nvPr>
-            <p:ph idx="2" type="sldImg"/>
+            <p:ph type="sldImg" idx="2"/>
           </p:nvPr>
         </p:nvSpPr>
         <p:spPr>
@@ -511,8 +623,13 @@
             <a:ext cx="6096000" cy="3429000"/>
           </a:xfrm>
           <a:custGeom>
+            <a:avLst/>
+            <a:gdLst/>
+            <a:ahLst/>
+            <a:cxnLst/>
+            <a:rect l="0" t="0" r="0" b="0"/>
             <a:pathLst>
-              <a:path extrusionOk="0" h="120000" w="120000">
+              <a:path w="120000" h="120000" extrusionOk="0">
                 <a:moveTo>
                   <a:pt x="0" y="0"/>
                 </a:moveTo>
@@ -534,9 +651,11 @@
       <p:sp>
         <p:nvSpPr>
           <p:cNvPr id="60" name="Shape 60"/>
-          <p:cNvSpPr txBox="1"/>
+          <p:cNvSpPr txBox="1">
+            <a:spLocks noGrp="1"/>
+          </p:cNvSpPr>
           <p:nvPr>
-            <p:ph idx="1" type="body"/>
+            <p:ph type="body" idx="1"/>
           </p:nvPr>
         </p:nvSpPr>
         <p:spPr>
@@ -549,7 +668,7 @@
           </a:prstGeom>
         </p:spPr>
         <p:txBody>
-          <a:bodyPr anchorCtr="0" anchor="t" bIns="91425" lIns="91425" rIns="91425" tIns="91425">
+          <a:bodyPr lIns="91425" tIns="91425" rIns="91425" bIns="91425" anchor="t" anchorCtr="0">
             <a:noAutofit/>
           </a:bodyPr>
           <a:lstStyle/>
@@ -576,11 +695,11 @@
 </file>
 
 <file path=ppt/notesSlides/notesSlide3.xml><?xml version="1.0" encoding="utf-8"?>
-<p:notes xmlns:a="http://schemas.openxmlformats.org/drawingml/2006/main" xmlns:r="http://schemas.openxmlformats.org/officeDocument/2006/relationships" xmlns:mc="http://schemas.openxmlformats.org/markup-compatibility/2006" xmlns:mv="urn:schemas-microsoft-com:mac:vml" xmlns:p="http://schemas.openxmlformats.org/presentationml/2006/main" xmlns:c="http://schemas.openxmlformats.org/drawingml/2006/chart" xmlns:dgm="http://schemas.openxmlformats.org/drawingml/2006/diagram" xmlns:o="urn:schemas-microsoft-com:office:office" xmlns:v="urn:schemas-microsoft-com:vml" xmlns:pvml="urn:schemas-microsoft-com:office:powerpoint" xmlns:com="http://schemas.openxmlformats.org/drawingml/2006/compatibility" xmlns:p14="http://schemas.microsoft.com/office/powerpoint/2010/main" showMasterPhAnim="0" showMasterSp="0">
+<p:notes xmlns:a="http://schemas.openxmlformats.org/drawingml/2006/main" xmlns:r="http://schemas.openxmlformats.org/officeDocument/2006/relationships" xmlns:p="http://schemas.openxmlformats.org/presentationml/2006/main" showMasterSp="0" showMasterPhAnim="0">
   <p:cSld>
     <p:spTree>
       <p:nvGrpSpPr>
-        <p:cNvPr id="64" name="Shape 64"/>
+        <p:cNvPr id="1" name="Shape 64"/>
         <p:cNvGrpSpPr/>
         <p:nvPr/>
       </p:nvGrpSpPr>
@@ -595,19 +714,26 @@
       <p:sp>
         <p:nvSpPr>
           <p:cNvPr id="65" name="Shape 65"/>
-          <p:cNvSpPr/>
+          <p:cNvSpPr>
+            <a:spLocks noGrp="1" noRot="1" noChangeAspect="1"/>
+          </p:cNvSpPr>
           <p:nvPr>
-            <p:ph idx="2" type="sldImg"/>
+            <p:ph type="sldImg" idx="2"/>
           </p:nvPr>
         </p:nvSpPr>
         <p:spPr>
           <a:xfrm>
-            <a:off x="381300" y="685800"/>
+            <a:off x="381000" y="685800"/>
             <a:ext cx="6096000" cy="3429000"/>
           </a:xfrm>
           <a:custGeom>
+            <a:avLst/>
+            <a:gdLst/>
+            <a:ahLst/>
+            <a:cxnLst/>
+            <a:rect l="0" t="0" r="0" b="0"/>
             <a:pathLst>
-              <a:path extrusionOk="0" h="120000" w="120000">
+              <a:path w="120000" h="120000" extrusionOk="0">
                 <a:moveTo>
                   <a:pt x="0" y="0"/>
                 </a:moveTo>
@@ -629,9 +755,11 @@
       <p:sp>
         <p:nvSpPr>
           <p:cNvPr id="66" name="Shape 66"/>
-          <p:cNvSpPr txBox="1"/>
+          <p:cNvSpPr txBox="1">
+            <a:spLocks noGrp="1"/>
+          </p:cNvSpPr>
           <p:nvPr>
-            <p:ph idx="1" type="body"/>
+            <p:ph type="body" idx="1"/>
           </p:nvPr>
         </p:nvSpPr>
         <p:spPr>
@@ -644,7 +772,7 @@
           </a:prstGeom>
         </p:spPr>
         <p:txBody>
-          <a:bodyPr anchorCtr="0" anchor="t" bIns="91425" lIns="91425" rIns="91425" tIns="91425">
+          <a:bodyPr lIns="91425" tIns="91425" rIns="91425" bIns="91425" anchor="t" anchorCtr="0">
             <a:noAutofit/>
           </a:bodyPr>
           <a:lstStyle/>
@@ -671,11 +799,11 @@
 </file>
 
 <file path=ppt/notesSlides/notesSlide4.xml><?xml version="1.0" encoding="utf-8"?>
-<p:notes xmlns:a="http://schemas.openxmlformats.org/drawingml/2006/main" xmlns:r="http://schemas.openxmlformats.org/officeDocument/2006/relationships" xmlns:mc="http://schemas.openxmlformats.org/markup-compatibility/2006" xmlns:mv="urn:schemas-microsoft-com:mac:vml" xmlns:p="http://schemas.openxmlformats.org/presentationml/2006/main" xmlns:c="http://schemas.openxmlformats.org/drawingml/2006/chart" xmlns:dgm="http://schemas.openxmlformats.org/drawingml/2006/diagram" xmlns:o="urn:schemas-microsoft-com:office:office" xmlns:v="urn:schemas-microsoft-com:vml" xmlns:pvml="urn:schemas-microsoft-com:office:powerpoint" xmlns:com="http://schemas.openxmlformats.org/drawingml/2006/compatibility" xmlns:p14="http://schemas.microsoft.com/office/powerpoint/2010/main" showMasterPhAnim="0" showMasterSp="0">
+<p:notes xmlns:a="http://schemas.openxmlformats.org/drawingml/2006/main" xmlns:r="http://schemas.openxmlformats.org/officeDocument/2006/relationships" xmlns:p="http://schemas.openxmlformats.org/presentationml/2006/main" showMasterSp="0" showMasterPhAnim="0">
   <p:cSld>
     <p:spTree>
       <p:nvGrpSpPr>
-        <p:cNvPr id="70" name="Shape 70"/>
+        <p:cNvPr id="1" name="Shape 70"/>
         <p:cNvGrpSpPr/>
         <p:nvPr/>
       </p:nvGrpSpPr>
@@ -690,19 +818,26 @@
       <p:sp>
         <p:nvSpPr>
           <p:cNvPr id="71" name="Shape 71"/>
-          <p:cNvSpPr/>
+          <p:cNvSpPr>
+            <a:spLocks noGrp="1" noRot="1" noChangeAspect="1"/>
+          </p:cNvSpPr>
           <p:nvPr>
-            <p:ph idx="2" type="sldImg"/>
+            <p:ph type="sldImg" idx="2"/>
           </p:nvPr>
         </p:nvSpPr>
         <p:spPr>
           <a:xfrm>
-            <a:off x="381300" y="685800"/>
+            <a:off x="381000" y="685800"/>
             <a:ext cx="6096000" cy="3429000"/>
           </a:xfrm>
           <a:custGeom>
+            <a:avLst/>
+            <a:gdLst/>
+            <a:ahLst/>
+            <a:cxnLst/>
+            <a:rect l="0" t="0" r="0" b="0"/>
             <a:pathLst>
-              <a:path extrusionOk="0" h="120000" w="120000">
+              <a:path w="120000" h="120000" extrusionOk="0">
                 <a:moveTo>
                   <a:pt x="0" y="0"/>
                 </a:moveTo>
@@ -724,9 +859,11 @@
       <p:sp>
         <p:nvSpPr>
           <p:cNvPr id="72" name="Shape 72"/>
-          <p:cNvSpPr txBox="1"/>
+          <p:cNvSpPr txBox="1">
+            <a:spLocks noGrp="1"/>
+          </p:cNvSpPr>
           <p:nvPr>
-            <p:ph idx="1" type="body"/>
+            <p:ph type="body" idx="1"/>
           </p:nvPr>
         </p:nvSpPr>
         <p:spPr>
@@ -739,7 +876,7 @@
           </a:prstGeom>
         </p:spPr>
         <p:txBody>
-          <a:bodyPr anchorCtr="0" anchor="t" bIns="91425" lIns="91425" rIns="91425" tIns="91425">
+          <a:bodyPr lIns="91425" tIns="91425" rIns="91425" bIns="91425" anchor="t" anchorCtr="0">
             <a:noAutofit/>
           </a:bodyPr>
           <a:lstStyle/>
@@ -762,9 +899,6 @@
               </a:spcBef>
               <a:buNone/>
             </a:pPr>
-            <a:r>
-              <a:t/>
-            </a:r>
             <a:endParaRPr/>
           </a:p>
           <a:p>
@@ -790,11 +924,11 @@
 </file>
 
 <file path=ppt/notesSlides/notesSlide5.xml><?xml version="1.0" encoding="utf-8"?>
-<p:notes xmlns:a="http://schemas.openxmlformats.org/drawingml/2006/main" xmlns:r="http://schemas.openxmlformats.org/officeDocument/2006/relationships" xmlns:mc="http://schemas.openxmlformats.org/markup-compatibility/2006" xmlns:mv="urn:schemas-microsoft-com:mac:vml" xmlns:p="http://schemas.openxmlformats.org/presentationml/2006/main" xmlns:c="http://schemas.openxmlformats.org/drawingml/2006/chart" xmlns:dgm="http://schemas.openxmlformats.org/drawingml/2006/diagram" xmlns:o="urn:schemas-microsoft-com:office:office" xmlns:v="urn:schemas-microsoft-com:vml" xmlns:pvml="urn:schemas-microsoft-com:office:powerpoint" xmlns:com="http://schemas.openxmlformats.org/drawingml/2006/compatibility" xmlns:p14="http://schemas.microsoft.com/office/powerpoint/2010/main" showMasterPhAnim="0" showMasterSp="0">
+<p:notes xmlns:a="http://schemas.openxmlformats.org/drawingml/2006/main" xmlns:r="http://schemas.openxmlformats.org/officeDocument/2006/relationships" xmlns:p="http://schemas.openxmlformats.org/presentationml/2006/main" showMasterSp="0" showMasterPhAnim="0">
   <p:cSld>
     <p:spTree>
       <p:nvGrpSpPr>
-        <p:cNvPr id="77" name="Shape 77"/>
+        <p:cNvPr id="1" name="Shape 77"/>
         <p:cNvGrpSpPr/>
         <p:nvPr/>
       </p:nvGrpSpPr>
@@ -809,19 +943,26 @@
       <p:sp>
         <p:nvSpPr>
           <p:cNvPr id="78" name="Shape 78"/>
-          <p:cNvSpPr/>
+          <p:cNvSpPr>
+            <a:spLocks noGrp="1" noRot="1" noChangeAspect="1"/>
+          </p:cNvSpPr>
           <p:nvPr>
-            <p:ph idx="2" type="sldImg"/>
+            <p:ph type="sldImg" idx="2"/>
           </p:nvPr>
         </p:nvSpPr>
         <p:spPr>
           <a:xfrm>
-            <a:off x="381300" y="685800"/>
+            <a:off x="381000" y="685800"/>
             <a:ext cx="6096000" cy="3429000"/>
           </a:xfrm>
           <a:custGeom>
+            <a:avLst/>
+            <a:gdLst/>
+            <a:ahLst/>
+            <a:cxnLst/>
+            <a:rect l="0" t="0" r="0" b="0"/>
             <a:pathLst>
-              <a:path extrusionOk="0" h="120000" w="120000">
+              <a:path w="120000" h="120000" extrusionOk="0">
                 <a:moveTo>
                   <a:pt x="0" y="0"/>
                 </a:moveTo>
@@ -843,9 +984,11 @@
       <p:sp>
         <p:nvSpPr>
           <p:cNvPr id="79" name="Shape 79"/>
-          <p:cNvSpPr txBox="1"/>
+          <p:cNvSpPr txBox="1">
+            <a:spLocks noGrp="1"/>
+          </p:cNvSpPr>
           <p:nvPr>
-            <p:ph idx="1" type="body"/>
+            <p:ph type="body" idx="1"/>
           </p:nvPr>
         </p:nvSpPr>
         <p:spPr>
@@ -858,7 +1001,7 @@
           </a:prstGeom>
         </p:spPr>
         <p:txBody>
-          <a:bodyPr anchorCtr="0" anchor="t" bIns="91425" lIns="91425" rIns="91425" tIns="91425">
+          <a:bodyPr lIns="91425" tIns="91425" rIns="91425" bIns="91425" anchor="t" anchorCtr="0">
             <a:noAutofit/>
           </a:bodyPr>
           <a:lstStyle/>
@@ -885,11 +1028,11 @@
 </file>
 
 <file path=ppt/notesSlides/notesSlide6.xml><?xml version="1.0" encoding="utf-8"?>
-<p:notes xmlns:a="http://schemas.openxmlformats.org/drawingml/2006/main" xmlns:r="http://schemas.openxmlformats.org/officeDocument/2006/relationships" xmlns:mc="http://schemas.openxmlformats.org/markup-compatibility/2006" xmlns:mv="urn:schemas-microsoft-com:mac:vml" xmlns:p="http://schemas.openxmlformats.org/presentationml/2006/main" xmlns:c="http://schemas.openxmlformats.org/drawingml/2006/chart" xmlns:dgm="http://schemas.openxmlformats.org/drawingml/2006/diagram" xmlns:o="urn:schemas-microsoft-com:office:office" xmlns:v="urn:schemas-microsoft-com:vml" xmlns:pvml="urn:schemas-microsoft-com:office:powerpoint" xmlns:com="http://schemas.openxmlformats.org/drawingml/2006/compatibility" xmlns:p14="http://schemas.microsoft.com/office/powerpoint/2010/main" showMasterPhAnim="0" showMasterSp="0">
+<p:notes xmlns:a="http://schemas.openxmlformats.org/drawingml/2006/main" xmlns:r="http://schemas.openxmlformats.org/officeDocument/2006/relationships" xmlns:p="http://schemas.openxmlformats.org/presentationml/2006/main" showMasterSp="0" showMasterPhAnim="0">
   <p:cSld>
     <p:spTree>
       <p:nvGrpSpPr>
-        <p:cNvPr id="84" name="Shape 84"/>
+        <p:cNvPr id="1" name="Shape 84"/>
         <p:cNvGrpSpPr/>
         <p:nvPr/>
       </p:nvGrpSpPr>
@@ -904,9 +1047,11 @@
       <p:sp>
         <p:nvSpPr>
           <p:cNvPr id="85" name="Shape 85"/>
-          <p:cNvSpPr/>
+          <p:cNvSpPr>
+            <a:spLocks noGrp="1" noRot="1" noChangeAspect="1"/>
+          </p:cNvSpPr>
           <p:nvPr>
-            <p:ph idx="2" type="sldImg"/>
+            <p:ph type="sldImg" idx="2"/>
           </p:nvPr>
         </p:nvSpPr>
         <p:spPr>
@@ -915,8 +1060,13 @@
             <a:ext cx="6096000" cy="3429000"/>
           </a:xfrm>
           <a:custGeom>
+            <a:avLst/>
+            <a:gdLst/>
+            <a:ahLst/>
+            <a:cxnLst/>
+            <a:rect l="0" t="0" r="0" b="0"/>
             <a:pathLst>
-              <a:path extrusionOk="0" h="120000" w="120000">
+              <a:path w="120000" h="120000" extrusionOk="0">
                 <a:moveTo>
                   <a:pt x="0" y="0"/>
                 </a:moveTo>
@@ -938,9 +1088,11 @@
       <p:sp>
         <p:nvSpPr>
           <p:cNvPr id="86" name="Shape 86"/>
-          <p:cNvSpPr txBox="1"/>
+          <p:cNvSpPr txBox="1">
+            <a:spLocks noGrp="1"/>
+          </p:cNvSpPr>
           <p:nvPr>
-            <p:ph idx="1" type="body"/>
+            <p:ph type="body" idx="1"/>
           </p:nvPr>
         </p:nvSpPr>
         <p:spPr>
@@ -953,7 +1105,7 @@
           </a:prstGeom>
         </p:spPr>
         <p:txBody>
-          <a:bodyPr anchorCtr="0" anchor="t" bIns="91425" lIns="91425" rIns="91425" tIns="91425">
+          <a:bodyPr lIns="91425" tIns="91425" rIns="91425" bIns="91425" anchor="t" anchorCtr="0">
             <a:noAutofit/>
           </a:bodyPr>
           <a:lstStyle/>
@@ -980,11 +1132,11 @@
 </file>
 
 <file path=ppt/notesSlides/notesSlide7.xml><?xml version="1.0" encoding="utf-8"?>
-<p:notes xmlns:a="http://schemas.openxmlformats.org/drawingml/2006/main" xmlns:r="http://schemas.openxmlformats.org/officeDocument/2006/relationships" xmlns:mc="http://schemas.openxmlformats.org/markup-compatibility/2006" xmlns:mv="urn:schemas-microsoft-com:mac:vml" xmlns:p="http://schemas.openxmlformats.org/presentationml/2006/main" xmlns:c="http://schemas.openxmlformats.org/drawingml/2006/chart" xmlns:dgm="http://schemas.openxmlformats.org/drawingml/2006/diagram" xmlns:o="urn:schemas-microsoft-com:office:office" xmlns:v="urn:schemas-microsoft-com:vml" xmlns:pvml="urn:schemas-microsoft-com:office:powerpoint" xmlns:com="http://schemas.openxmlformats.org/drawingml/2006/compatibility" xmlns:p14="http://schemas.microsoft.com/office/powerpoint/2010/main" showMasterPhAnim="0" showMasterSp="0">
+<p:notes xmlns:a="http://schemas.openxmlformats.org/drawingml/2006/main" xmlns:r="http://schemas.openxmlformats.org/officeDocument/2006/relationships" xmlns:p="http://schemas.openxmlformats.org/presentationml/2006/main" showMasterSp="0" showMasterPhAnim="0">
   <p:cSld>
     <p:spTree>
       <p:nvGrpSpPr>
-        <p:cNvPr id="90" name="Shape 90"/>
+        <p:cNvPr id="1" name="Shape 90"/>
         <p:cNvGrpSpPr/>
         <p:nvPr/>
       </p:nvGrpSpPr>
@@ -999,9 +1151,11 @@
       <p:sp>
         <p:nvSpPr>
           <p:cNvPr id="91" name="Shape 91"/>
-          <p:cNvSpPr/>
+          <p:cNvSpPr>
+            <a:spLocks noGrp="1" noRot="1" noChangeAspect="1"/>
+          </p:cNvSpPr>
           <p:nvPr>
-            <p:ph idx="2" type="sldImg"/>
+            <p:ph type="sldImg" idx="2"/>
           </p:nvPr>
         </p:nvSpPr>
         <p:spPr>
@@ -1010,8 +1164,13 @@
             <a:ext cx="6096000" cy="3429000"/>
           </a:xfrm>
           <a:custGeom>
+            <a:avLst/>
+            <a:gdLst/>
+            <a:ahLst/>
+            <a:cxnLst/>
+            <a:rect l="0" t="0" r="0" b="0"/>
             <a:pathLst>
-              <a:path extrusionOk="0" h="120000" w="120000">
+              <a:path w="120000" h="120000" extrusionOk="0">
                 <a:moveTo>
                   <a:pt x="0" y="0"/>
                 </a:moveTo>
@@ -1033,9 +1192,11 @@
       <p:sp>
         <p:nvSpPr>
           <p:cNvPr id="92" name="Shape 92"/>
-          <p:cNvSpPr txBox="1"/>
+          <p:cNvSpPr txBox="1">
+            <a:spLocks noGrp="1"/>
+          </p:cNvSpPr>
           <p:nvPr>
-            <p:ph idx="1" type="body"/>
+            <p:ph type="body" idx="1"/>
           </p:nvPr>
         </p:nvSpPr>
         <p:spPr>
@@ -1048,7 +1209,7 @@
           </a:prstGeom>
         </p:spPr>
         <p:txBody>
-          <a:bodyPr anchorCtr="0" anchor="t" bIns="91425" lIns="91425" rIns="91425" tIns="91425">
+          <a:bodyPr lIns="91425" tIns="91425" rIns="91425" bIns="91425" anchor="t" anchorCtr="0">
             <a:noAutofit/>
           </a:bodyPr>
           <a:lstStyle/>
@@ -1075,11 +1236,11 @@
 </file>
 
 <file path=ppt/notesSlides/notesSlide8.xml><?xml version="1.0" encoding="utf-8"?>
-<p:notes xmlns:a="http://schemas.openxmlformats.org/drawingml/2006/main" xmlns:r="http://schemas.openxmlformats.org/officeDocument/2006/relationships" xmlns:mc="http://schemas.openxmlformats.org/markup-compatibility/2006" xmlns:mv="urn:schemas-microsoft-com:mac:vml" xmlns:p="http://schemas.openxmlformats.org/presentationml/2006/main" xmlns:c="http://schemas.openxmlformats.org/drawingml/2006/chart" xmlns:dgm="http://schemas.openxmlformats.org/drawingml/2006/diagram" xmlns:o="urn:schemas-microsoft-com:office:office" xmlns:v="urn:schemas-microsoft-com:vml" xmlns:pvml="urn:schemas-microsoft-com:office:powerpoint" xmlns:com="http://schemas.openxmlformats.org/drawingml/2006/compatibility" xmlns:p14="http://schemas.microsoft.com/office/powerpoint/2010/main" showMasterPhAnim="0" showMasterSp="0">
+<p:notes xmlns:a="http://schemas.openxmlformats.org/drawingml/2006/main" xmlns:r="http://schemas.openxmlformats.org/officeDocument/2006/relationships" xmlns:p="http://schemas.openxmlformats.org/presentationml/2006/main" showMasterSp="0" showMasterPhAnim="0">
   <p:cSld>
     <p:spTree>
       <p:nvGrpSpPr>
-        <p:cNvPr id="96" name="Shape 96"/>
+        <p:cNvPr id="1" name="Shape 96"/>
         <p:cNvGrpSpPr/>
         <p:nvPr/>
       </p:nvGrpSpPr>
@@ -1094,19 +1255,26 @@
       <p:sp>
         <p:nvSpPr>
           <p:cNvPr id="97" name="Shape 97"/>
-          <p:cNvSpPr/>
+          <p:cNvSpPr>
+            <a:spLocks noGrp="1" noRot="1" noChangeAspect="1"/>
+          </p:cNvSpPr>
           <p:nvPr>
-            <p:ph idx="2" type="sldImg"/>
+            <p:ph type="sldImg" idx="2"/>
           </p:nvPr>
         </p:nvSpPr>
         <p:spPr>
           <a:xfrm>
-            <a:off x="381300" y="685800"/>
+            <a:off x="381000" y="685800"/>
             <a:ext cx="6096000" cy="3429000"/>
           </a:xfrm>
           <a:custGeom>
+            <a:avLst/>
+            <a:gdLst/>
+            <a:ahLst/>
+            <a:cxnLst/>
+            <a:rect l="0" t="0" r="0" b="0"/>
             <a:pathLst>
-              <a:path extrusionOk="0" h="120000" w="120000">
+              <a:path w="120000" h="120000" extrusionOk="0">
                 <a:moveTo>
                   <a:pt x="0" y="0"/>
                 </a:moveTo>
@@ -1128,9 +1296,11 @@
       <p:sp>
         <p:nvSpPr>
           <p:cNvPr id="98" name="Shape 98"/>
-          <p:cNvSpPr txBox="1"/>
+          <p:cNvSpPr txBox="1">
+            <a:spLocks noGrp="1"/>
+          </p:cNvSpPr>
           <p:nvPr>
-            <p:ph idx="1" type="body"/>
+            <p:ph type="body" idx="1"/>
           </p:nvPr>
         </p:nvSpPr>
         <p:spPr>
@@ -1143,7 +1313,7 @@
           </a:prstGeom>
         </p:spPr>
         <p:txBody>
-          <a:bodyPr anchorCtr="0" anchor="t" bIns="91425" lIns="91425" rIns="91425" tIns="91425">
+          <a:bodyPr lIns="91425" tIns="91425" rIns="91425" bIns="91425" anchor="t" anchorCtr="0">
             <a:noAutofit/>
           </a:bodyPr>
           <a:lstStyle/>
@@ -1170,18 +1340,19 @@
 </file>
 
 <file path=ppt/slideLayouts/slideLayout1.xml><?xml version="1.0" encoding="utf-8"?>
-<p:sldLayout xmlns:a="http://schemas.openxmlformats.org/drawingml/2006/main" xmlns:r="http://schemas.openxmlformats.org/officeDocument/2006/relationships" xmlns:mc="http://schemas.openxmlformats.org/markup-compatibility/2006" xmlns:mv="urn:schemas-microsoft-com:mac:vml" xmlns:p="http://schemas.openxmlformats.org/presentationml/2006/main" xmlns:c="http://schemas.openxmlformats.org/drawingml/2006/chart" xmlns:dgm="http://schemas.openxmlformats.org/drawingml/2006/diagram" xmlns:o="urn:schemas-microsoft-com:office:office" xmlns:v="urn:schemas-microsoft-com:vml" xmlns:pvml="urn:schemas-microsoft-com:office:powerpoint" xmlns:com="http://schemas.openxmlformats.org/drawingml/2006/compatibility" xmlns:p14="http://schemas.microsoft.com/office/powerpoint/2010/main" type="title">
+<p:sldLayout xmlns:a="http://schemas.openxmlformats.org/drawingml/2006/main" xmlns:r="http://schemas.openxmlformats.org/officeDocument/2006/relationships" xmlns:p="http://schemas.openxmlformats.org/presentationml/2006/main" type="title">
   <p:cSld name="Title slide">
     <p:bg>
       <p:bgPr>
         <a:solidFill>
           <a:schemeClr val="dk1"/>
         </a:solidFill>
+        <a:effectLst/>
       </p:bgPr>
     </p:bg>
     <p:spTree>
       <p:nvGrpSpPr>
-        <p:cNvPr id="9" name="Shape 9"/>
+        <p:cNvPr id="1" name="Shape 9"/>
         <p:cNvGrpSpPr/>
         <p:nvPr/>
       </p:nvGrpSpPr>
@@ -1215,7 +1386,7 @@
           </a:ln>
         </p:spPr>
         <p:txBody>
-          <a:bodyPr anchorCtr="0" anchor="ctr" bIns="91425" lIns="91425" rIns="91425" tIns="91425">
+          <a:bodyPr lIns="91425" tIns="91425" rIns="91425" bIns="91425" anchor="ctr" anchorCtr="0">
             <a:noAutofit/>
           </a:bodyPr>
           <a:lstStyle/>
@@ -1226,9 +1397,6 @@
               </a:spcBef>
               <a:buNone/>
             </a:pPr>
-            <a:r>
-              <a:t/>
-            </a:r>
             <a:endParaRPr/>
           </a:p>
         </p:txBody>
@@ -1236,7 +1404,9 @@
       <p:sp>
         <p:nvSpPr>
           <p:cNvPr id="11" name="Shape 11"/>
-          <p:cNvSpPr txBox="1"/>
+          <p:cNvSpPr txBox="1">
+            <a:spLocks noGrp="1"/>
+          </p:cNvSpPr>
           <p:nvPr>
             <p:ph type="ctrTitle"/>
           </p:nvPr>
@@ -1251,7 +1421,7 @@
           </a:prstGeom>
         </p:spPr>
         <p:txBody>
-          <a:bodyPr anchorCtr="0" anchor="ctr" bIns="91425" lIns="91425" rIns="91425" tIns="91425"/>
+          <a:bodyPr lIns="91425" tIns="91425" rIns="91425" bIns="91425" anchor="ctr" anchorCtr="0"/>
           <a:lstStyle>
             <a:lvl1pPr lvl="0" algn="ctr">
               <a:spcBef>
@@ -1317,15 +1487,19 @@
               <a:defRPr sz="8000"/>
             </a:lvl9pPr>
           </a:lstStyle>
-          <a:p/>
+          <a:p>
+            <a:endParaRPr/>
+          </a:p>
         </p:txBody>
       </p:sp>
       <p:sp>
         <p:nvSpPr>
           <p:cNvPr id="12" name="Shape 12"/>
-          <p:cNvSpPr txBox="1"/>
+          <p:cNvSpPr txBox="1">
+            <a:spLocks noGrp="1"/>
+          </p:cNvSpPr>
           <p:nvPr>
-            <p:ph idx="1" type="subTitle"/>
+            <p:ph type="subTitle" idx="1"/>
           </p:nvPr>
         </p:nvSpPr>
         <p:spPr>
@@ -1338,7 +1512,7 @@
           </a:prstGeom>
         </p:spPr>
         <p:txBody>
-          <a:bodyPr anchorCtr="0" anchor="ctr" bIns="91425" lIns="91425" rIns="91425" tIns="91425"/>
+          <a:bodyPr lIns="91425" tIns="91425" rIns="91425" bIns="91425" anchor="ctr" anchorCtr="0"/>
           <a:lstStyle>
             <a:lvl1pPr lvl="0" algn="ctr">
               <a:lnSpc>
@@ -1355,7 +1529,7 @@
               </a:buClr>
               <a:buSzPct val="100000"/>
               <a:buNone/>
-              <a:defRPr b="1" sz="2100">
+              <a:defRPr sz="2100" b="1">
                 <a:solidFill>
                   <a:schemeClr val="accent1"/>
                 </a:solidFill>
@@ -1376,7 +1550,7 @@
               </a:buClr>
               <a:buSzPct val="100000"/>
               <a:buNone/>
-              <a:defRPr b="1" sz="2100">
+              <a:defRPr sz="2100" b="1">
                 <a:solidFill>
                   <a:schemeClr val="accent1"/>
                 </a:solidFill>
@@ -1397,7 +1571,7 @@
               </a:buClr>
               <a:buSzPct val="100000"/>
               <a:buNone/>
-              <a:defRPr b="1" sz="2100">
+              <a:defRPr sz="2100" b="1">
                 <a:solidFill>
                   <a:schemeClr val="accent1"/>
                 </a:solidFill>
@@ -1418,7 +1592,7 @@
               </a:buClr>
               <a:buSzPct val="100000"/>
               <a:buNone/>
-              <a:defRPr b="1" sz="2100">
+              <a:defRPr sz="2100" b="1">
                 <a:solidFill>
                   <a:schemeClr val="accent1"/>
                 </a:solidFill>
@@ -1439,7 +1613,7 @@
               </a:buClr>
               <a:buSzPct val="100000"/>
               <a:buNone/>
-              <a:defRPr b="1" sz="2100">
+              <a:defRPr sz="2100" b="1">
                 <a:solidFill>
                   <a:schemeClr val="accent1"/>
                 </a:solidFill>
@@ -1460,7 +1634,7 @@
               </a:buClr>
               <a:buSzPct val="100000"/>
               <a:buNone/>
-              <a:defRPr b="1" sz="2100">
+              <a:defRPr sz="2100" b="1">
                 <a:solidFill>
                   <a:schemeClr val="accent1"/>
                 </a:solidFill>
@@ -1481,7 +1655,7 @@
               </a:buClr>
               <a:buSzPct val="100000"/>
               <a:buNone/>
-              <a:defRPr b="1" sz="2100">
+              <a:defRPr sz="2100" b="1">
                 <a:solidFill>
                   <a:schemeClr val="accent1"/>
                 </a:solidFill>
@@ -1502,7 +1676,7 @@
               </a:buClr>
               <a:buSzPct val="100000"/>
               <a:buNone/>
-              <a:defRPr b="1" sz="2100">
+              <a:defRPr sz="2100" b="1">
                 <a:solidFill>
                   <a:schemeClr val="accent1"/>
                 </a:solidFill>
@@ -1523,22 +1697,26 @@
               </a:buClr>
               <a:buSzPct val="100000"/>
               <a:buNone/>
-              <a:defRPr b="1" sz="2100">
+              <a:defRPr sz="2100" b="1">
                 <a:solidFill>
                   <a:schemeClr val="accent1"/>
                 </a:solidFill>
               </a:defRPr>
             </a:lvl9pPr>
           </a:lstStyle>
-          <a:p/>
+          <a:p>
+            <a:endParaRPr/>
+          </a:p>
         </p:txBody>
       </p:sp>
       <p:sp>
         <p:nvSpPr>
           <p:cNvPr id="13" name="Shape 13"/>
-          <p:cNvSpPr txBox="1"/>
+          <p:cNvSpPr txBox="1">
+            <a:spLocks noGrp="1"/>
+          </p:cNvSpPr>
           <p:nvPr>
-            <p:ph idx="12" type="sldNum"/>
+            <p:ph type="sldNum" idx="12"/>
           </p:nvPr>
         </p:nvSpPr>
         <p:spPr>
@@ -1551,7 +1729,7 @@
           </a:prstGeom>
         </p:spPr>
         <p:txBody>
-          <a:bodyPr anchorCtr="0" anchor="ctr" bIns="91425" lIns="91425" rIns="91425" tIns="91425">
+          <a:bodyPr lIns="91425" tIns="91425" rIns="91425" bIns="91425" anchor="ctr" anchorCtr="0">
             <a:noAutofit/>
           </a:bodyPr>
           <a:lstStyle/>
@@ -1566,6 +1744,7 @@
               <a:rPr lang="en"/>
               <a:t>‹#›</a:t>
             </a:fld>
+            <a:endParaRPr lang="en"/>
           </a:p>
         </p:txBody>
       </p:sp>
@@ -1578,11 +1757,11 @@
 </file>
 
 <file path=ppt/slideLayouts/slideLayout10.xml><?xml version="1.0" encoding="utf-8"?>
-<p:sldLayout xmlns:a="http://schemas.openxmlformats.org/drawingml/2006/main" xmlns:r="http://schemas.openxmlformats.org/officeDocument/2006/relationships" xmlns:mc="http://schemas.openxmlformats.org/markup-compatibility/2006" xmlns:mv="urn:schemas-microsoft-com:mac:vml" xmlns:p="http://schemas.openxmlformats.org/presentationml/2006/main" xmlns:c="http://schemas.openxmlformats.org/drawingml/2006/chart" xmlns:dgm="http://schemas.openxmlformats.org/drawingml/2006/diagram" xmlns:o="urn:schemas-microsoft-com:office:office" xmlns:v="urn:schemas-microsoft-com:vml" xmlns:pvml="urn:schemas-microsoft-com:office:powerpoint" xmlns:com="http://schemas.openxmlformats.org/drawingml/2006/compatibility" xmlns:p14="http://schemas.microsoft.com/office/powerpoint/2010/main">
+<p:sldLayout xmlns:a="http://schemas.openxmlformats.org/drawingml/2006/main" xmlns:r="http://schemas.openxmlformats.org/officeDocument/2006/relationships" xmlns:p="http://schemas.openxmlformats.org/presentationml/2006/main">
   <p:cSld name="Big number">
     <p:spTree>
       <p:nvGrpSpPr>
-        <p:cNvPr id="46" name="Shape 46"/>
+        <p:cNvPr id="1" name="Shape 46"/>
         <p:cNvGrpSpPr/>
         <p:nvPr/>
       </p:nvGrpSpPr>
@@ -1597,7 +1776,9 @@
       <p:sp>
         <p:nvSpPr>
           <p:cNvPr id="47" name="Shape 47"/>
-          <p:cNvSpPr txBox="1"/>
+          <p:cNvSpPr txBox="1">
+            <a:spLocks noGrp="1"/>
+          </p:cNvSpPr>
           <p:nvPr>
             <p:ph type="title"/>
           </p:nvPr>
@@ -1612,7 +1793,7 @@
           </a:prstGeom>
         </p:spPr>
         <p:txBody>
-          <a:bodyPr anchorCtr="0" anchor="b" bIns="91425" lIns="91425" rIns="91425" tIns="91425"/>
+          <a:bodyPr lIns="91425" tIns="91425" rIns="91425" bIns="91425" anchor="b" anchorCtr="0"/>
           <a:lstStyle>
             <a:lvl1pPr lvl="0" algn="ctr">
               <a:spcBef>
@@ -1741,15 +1922,19 @@
               </a:defRPr>
             </a:lvl9pPr>
           </a:lstStyle>
-          <a:p/>
+          <a:p>
+            <a:endParaRPr/>
+          </a:p>
         </p:txBody>
       </p:sp>
       <p:sp>
         <p:nvSpPr>
           <p:cNvPr id="48" name="Shape 48"/>
-          <p:cNvSpPr txBox="1"/>
+          <p:cNvSpPr txBox="1">
+            <a:spLocks noGrp="1"/>
+          </p:cNvSpPr>
           <p:nvPr>
-            <p:ph idx="1" type="body"/>
+            <p:ph type="body" idx="1"/>
           </p:nvPr>
         </p:nvSpPr>
         <p:spPr>
@@ -1762,7 +1947,7 @@
           </a:prstGeom>
         </p:spPr>
         <p:txBody>
-          <a:bodyPr anchorCtr="0" anchor="t" bIns="91425" lIns="91425" rIns="91425" tIns="91425"/>
+          <a:bodyPr lIns="91425" tIns="91425" rIns="91425" bIns="91425" anchor="t" anchorCtr="0"/>
           <a:lstStyle>
             <a:lvl1pPr lvl="0" algn="ctr">
               <a:spcBef>
@@ -1882,15 +2067,19 @@
               </a:defRPr>
             </a:lvl9pPr>
           </a:lstStyle>
-          <a:p/>
+          <a:p>
+            <a:endParaRPr/>
+          </a:p>
         </p:txBody>
       </p:sp>
       <p:sp>
         <p:nvSpPr>
           <p:cNvPr id="49" name="Shape 49"/>
-          <p:cNvSpPr txBox="1"/>
+          <p:cNvSpPr txBox="1">
+            <a:spLocks noGrp="1"/>
+          </p:cNvSpPr>
           <p:nvPr>
-            <p:ph idx="12" type="sldNum"/>
+            <p:ph type="sldNum" idx="12"/>
           </p:nvPr>
         </p:nvSpPr>
         <p:spPr>
@@ -1903,7 +2092,7 @@
           </a:prstGeom>
         </p:spPr>
         <p:txBody>
-          <a:bodyPr anchorCtr="0" anchor="ctr" bIns="91425" lIns="91425" rIns="91425" tIns="91425">
+          <a:bodyPr lIns="91425" tIns="91425" rIns="91425" bIns="91425" anchor="ctr" anchorCtr="0">
             <a:noAutofit/>
           </a:bodyPr>
           <a:lstStyle/>
@@ -1918,6 +2107,7 @@
               <a:rPr lang="en"/>
               <a:t>‹#›</a:t>
             </a:fld>
+            <a:endParaRPr lang="en"/>
           </a:p>
         </p:txBody>
       </p:sp>
@@ -1930,11 +2120,11 @@
 </file>
 
 <file path=ppt/slideLayouts/slideLayout11.xml><?xml version="1.0" encoding="utf-8"?>
-<p:sldLayout xmlns:a="http://schemas.openxmlformats.org/drawingml/2006/main" xmlns:r="http://schemas.openxmlformats.org/officeDocument/2006/relationships" xmlns:mc="http://schemas.openxmlformats.org/markup-compatibility/2006" xmlns:mv="urn:schemas-microsoft-com:mac:vml" xmlns:p="http://schemas.openxmlformats.org/presentationml/2006/main" xmlns:c="http://schemas.openxmlformats.org/drawingml/2006/chart" xmlns:dgm="http://schemas.openxmlformats.org/drawingml/2006/diagram" xmlns:o="urn:schemas-microsoft-com:office:office" xmlns:v="urn:schemas-microsoft-com:vml" xmlns:pvml="urn:schemas-microsoft-com:office:powerpoint" xmlns:com="http://schemas.openxmlformats.org/drawingml/2006/compatibility" xmlns:p14="http://schemas.microsoft.com/office/powerpoint/2010/main" type="blank">
+<p:sldLayout xmlns:a="http://schemas.openxmlformats.org/drawingml/2006/main" xmlns:r="http://schemas.openxmlformats.org/officeDocument/2006/relationships" xmlns:p="http://schemas.openxmlformats.org/presentationml/2006/main" type="blank">
   <p:cSld name="Blank">
     <p:spTree>
       <p:nvGrpSpPr>
-        <p:cNvPr id="50" name="Shape 50"/>
+        <p:cNvPr id="1" name="Shape 50"/>
         <p:cNvGrpSpPr/>
         <p:nvPr/>
       </p:nvGrpSpPr>
@@ -1949,9 +2139,11 @@
       <p:sp>
         <p:nvSpPr>
           <p:cNvPr id="51" name="Shape 51"/>
-          <p:cNvSpPr txBox="1"/>
+          <p:cNvSpPr txBox="1">
+            <a:spLocks noGrp="1"/>
+          </p:cNvSpPr>
           <p:nvPr>
-            <p:ph idx="12" type="sldNum"/>
+            <p:ph type="sldNum" idx="12"/>
           </p:nvPr>
         </p:nvSpPr>
         <p:spPr>
@@ -1964,7 +2156,7 @@
           </a:prstGeom>
         </p:spPr>
         <p:txBody>
-          <a:bodyPr anchorCtr="0" anchor="ctr" bIns="91425" lIns="91425" rIns="91425" tIns="91425">
+          <a:bodyPr lIns="91425" tIns="91425" rIns="91425" bIns="91425" anchor="ctr" anchorCtr="0">
             <a:noAutofit/>
           </a:bodyPr>
           <a:lstStyle/>
@@ -1979,6 +2171,7 @@
               <a:rPr lang="en"/>
               <a:t>‹#›</a:t>
             </a:fld>
+            <a:endParaRPr lang="en"/>
           </a:p>
         </p:txBody>
       </p:sp>
@@ -1991,18 +2184,19 @@
 </file>
 
 <file path=ppt/slideLayouts/slideLayout2.xml><?xml version="1.0" encoding="utf-8"?>
-<p:sldLayout xmlns:a="http://schemas.openxmlformats.org/drawingml/2006/main" xmlns:r="http://schemas.openxmlformats.org/officeDocument/2006/relationships" xmlns:mc="http://schemas.openxmlformats.org/markup-compatibility/2006" xmlns:mv="urn:schemas-microsoft-com:mac:vml" xmlns:p="http://schemas.openxmlformats.org/presentationml/2006/main" xmlns:c="http://schemas.openxmlformats.org/drawingml/2006/chart" xmlns:dgm="http://schemas.openxmlformats.org/drawingml/2006/diagram" xmlns:o="urn:schemas-microsoft-com:office:office" xmlns:v="urn:schemas-microsoft-com:vml" xmlns:pvml="urn:schemas-microsoft-com:office:powerpoint" xmlns:com="http://schemas.openxmlformats.org/drawingml/2006/compatibility" xmlns:p14="http://schemas.microsoft.com/office/powerpoint/2010/main" type="secHead">
+<p:sldLayout xmlns:a="http://schemas.openxmlformats.org/drawingml/2006/main" xmlns:r="http://schemas.openxmlformats.org/officeDocument/2006/relationships" xmlns:p="http://schemas.openxmlformats.org/presentationml/2006/main" type="secHead">
   <p:cSld name="Section header">
     <p:bg>
       <p:bgPr>
         <a:solidFill>
           <a:schemeClr val="dk1"/>
         </a:solidFill>
+        <a:effectLst/>
       </p:bgPr>
     </p:bg>
     <p:spTree>
       <p:nvGrpSpPr>
-        <p:cNvPr id="14" name="Shape 14"/>
+        <p:cNvPr id="1" name="Shape 14"/>
         <p:cNvGrpSpPr/>
         <p:nvPr/>
       </p:nvGrpSpPr>
@@ -2017,7 +2211,9 @@
       <p:sp>
         <p:nvSpPr>
           <p:cNvPr id="15" name="Shape 15"/>
-          <p:cNvSpPr txBox="1"/>
+          <p:cNvSpPr txBox="1">
+            <a:spLocks noGrp="1"/>
+          </p:cNvSpPr>
           <p:nvPr>
             <p:ph type="title"/>
           </p:nvPr>
@@ -2035,7 +2231,7 @@
           </a:solidFill>
         </p:spPr>
         <p:txBody>
-          <a:bodyPr anchorCtr="0" anchor="ctr" bIns="91425" lIns="91425" rIns="91425" tIns="91425"/>
+          <a:bodyPr lIns="91425" tIns="91425" rIns="91425" bIns="91425" anchor="ctr" anchorCtr="0"/>
           <a:lstStyle>
             <a:lvl1pPr lvl="0" algn="ctr">
               <a:spcBef>
@@ -2101,15 +2297,19 @@
               <a:defRPr sz="4800"/>
             </a:lvl9pPr>
           </a:lstStyle>
-          <a:p/>
+          <a:p>
+            <a:endParaRPr/>
+          </a:p>
         </p:txBody>
       </p:sp>
       <p:sp>
         <p:nvSpPr>
           <p:cNvPr id="16" name="Shape 16"/>
-          <p:cNvSpPr txBox="1"/>
+          <p:cNvSpPr txBox="1">
+            <a:spLocks noGrp="1"/>
+          </p:cNvSpPr>
           <p:nvPr>
-            <p:ph idx="12" type="sldNum"/>
+            <p:ph type="sldNum" idx="12"/>
           </p:nvPr>
         </p:nvSpPr>
         <p:spPr>
@@ -2122,7 +2322,7 @@
           </a:prstGeom>
         </p:spPr>
         <p:txBody>
-          <a:bodyPr anchorCtr="0" anchor="ctr" bIns="91425" lIns="91425" rIns="91425" tIns="91425">
+          <a:bodyPr lIns="91425" tIns="91425" rIns="91425" bIns="91425" anchor="ctr" anchorCtr="0">
             <a:noAutofit/>
           </a:bodyPr>
           <a:lstStyle/>
@@ -2137,6 +2337,7 @@
               <a:rPr lang="en"/>
               <a:t>‹#›</a:t>
             </a:fld>
+            <a:endParaRPr lang="en"/>
           </a:p>
         </p:txBody>
       </p:sp>
@@ -2149,11 +2350,11 @@
 </file>
 
 <file path=ppt/slideLayouts/slideLayout3.xml><?xml version="1.0" encoding="utf-8"?>
-<p:sldLayout xmlns:a="http://schemas.openxmlformats.org/drawingml/2006/main" xmlns:r="http://schemas.openxmlformats.org/officeDocument/2006/relationships" xmlns:mc="http://schemas.openxmlformats.org/markup-compatibility/2006" xmlns:mv="urn:schemas-microsoft-com:mac:vml" xmlns:p="http://schemas.openxmlformats.org/presentationml/2006/main" xmlns:c="http://schemas.openxmlformats.org/drawingml/2006/chart" xmlns:dgm="http://schemas.openxmlformats.org/drawingml/2006/diagram" xmlns:o="urn:schemas-microsoft-com:office:office" xmlns:v="urn:schemas-microsoft-com:vml" xmlns:pvml="urn:schemas-microsoft-com:office:powerpoint" xmlns:com="http://schemas.openxmlformats.org/drawingml/2006/compatibility" xmlns:p14="http://schemas.microsoft.com/office/powerpoint/2010/main" type="tx">
+<p:sldLayout xmlns:a="http://schemas.openxmlformats.org/drawingml/2006/main" xmlns:r="http://schemas.openxmlformats.org/officeDocument/2006/relationships" xmlns:p="http://schemas.openxmlformats.org/presentationml/2006/main" type="tx">
   <p:cSld name="Title and body">
     <p:spTree>
       <p:nvGrpSpPr>
-        <p:cNvPr id="17" name="Shape 17"/>
+        <p:cNvPr id="1" name="Shape 17"/>
         <p:cNvGrpSpPr/>
         <p:nvPr/>
       </p:nvGrpSpPr>
@@ -2168,7 +2369,9 @@
       <p:sp>
         <p:nvSpPr>
           <p:cNvPr id="18" name="Shape 18"/>
-          <p:cNvSpPr txBox="1"/>
+          <p:cNvSpPr txBox="1">
+            <a:spLocks noGrp="1"/>
+          </p:cNvSpPr>
           <p:nvPr>
             <p:ph type="title"/>
           </p:nvPr>
@@ -2183,7 +2386,7 @@
           </a:prstGeom>
         </p:spPr>
         <p:txBody>
-          <a:bodyPr anchorCtr="0" anchor="t" bIns="91425" lIns="91425" rIns="91425" tIns="91425"/>
+          <a:bodyPr lIns="91425" tIns="91425" rIns="91425" bIns="91425" anchor="t" anchorCtr="0"/>
           <a:lstStyle>
             <a:lvl1pPr lvl="0">
               <a:spcBef>
@@ -2240,15 +2443,19 @@
               <a:defRPr/>
             </a:lvl9pPr>
           </a:lstStyle>
-          <a:p/>
+          <a:p>
+            <a:endParaRPr/>
+          </a:p>
         </p:txBody>
       </p:sp>
       <p:sp>
         <p:nvSpPr>
           <p:cNvPr id="19" name="Shape 19"/>
-          <p:cNvSpPr txBox="1"/>
+          <p:cNvSpPr txBox="1">
+            <a:spLocks noGrp="1"/>
+          </p:cNvSpPr>
           <p:nvPr>
-            <p:ph idx="1" type="body"/>
+            <p:ph type="body" idx="1"/>
           </p:nvPr>
         </p:nvSpPr>
         <p:spPr>
@@ -2261,7 +2468,7 @@
           </a:prstGeom>
         </p:spPr>
         <p:txBody>
-          <a:bodyPr anchorCtr="0" anchor="t" bIns="91425" lIns="91425" rIns="91425" tIns="91425"/>
+          <a:bodyPr lIns="91425" tIns="91425" rIns="91425" bIns="91425" anchor="t" anchorCtr="0"/>
           <a:lstStyle>
             <a:lvl1pPr lvl="0">
               <a:spcBef>
@@ -2318,15 +2525,19 @@
               <a:defRPr/>
             </a:lvl9pPr>
           </a:lstStyle>
-          <a:p/>
+          <a:p>
+            <a:endParaRPr/>
+          </a:p>
         </p:txBody>
       </p:sp>
       <p:sp>
         <p:nvSpPr>
           <p:cNvPr id="20" name="Shape 20"/>
-          <p:cNvSpPr txBox="1"/>
+          <p:cNvSpPr txBox="1">
+            <a:spLocks noGrp="1"/>
+          </p:cNvSpPr>
           <p:nvPr>
-            <p:ph idx="12" type="sldNum"/>
+            <p:ph type="sldNum" idx="12"/>
           </p:nvPr>
         </p:nvSpPr>
         <p:spPr>
@@ -2339,7 +2550,7 @@
           </a:prstGeom>
         </p:spPr>
         <p:txBody>
-          <a:bodyPr anchorCtr="0" anchor="ctr" bIns="91425" lIns="91425" rIns="91425" tIns="91425">
+          <a:bodyPr lIns="91425" tIns="91425" rIns="91425" bIns="91425" anchor="ctr" anchorCtr="0">
             <a:noAutofit/>
           </a:bodyPr>
           <a:lstStyle/>
@@ -2354,6 +2565,7 @@
               <a:rPr lang="en"/>
               <a:t>‹#›</a:t>
             </a:fld>
+            <a:endParaRPr lang="en"/>
           </a:p>
         </p:txBody>
       </p:sp>
@@ -2366,11 +2578,11 @@
 </file>
 
 <file path=ppt/slideLayouts/slideLayout4.xml><?xml version="1.0" encoding="utf-8"?>
-<p:sldLayout xmlns:a="http://schemas.openxmlformats.org/drawingml/2006/main" xmlns:r="http://schemas.openxmlformats.org/officeDocument/2006/relationships" xmlns:mc="http://schemas.openxmlformats.org/markup-compatibility/2006" xmlns:mv="urn:schemas-microsoft-com:mac:vml" xmlns:p="http://schemas.openxmlformats.org/presentationml/2006/main" xmlns:c="http://schemas.openxmlformats.org/drawingml/2006/chart" xmlns:dgm="http://schemas.openxmlformats.org/drawingml/2006/diagram" xmlns:o="urn:schemas-microsoft-com:office:office" xmlns:v="urn:schemas-microsoft-com:vml" xmlns:pvml="urn:schemas-microsoft-com:office:powerpoint" xmlns:com="http://schemas.openxmlformats.org/drawingml/2006/compatibility" xmlns:p14="http://schemas.microsoft.com/office/powerpoint/2010/main" type="twoColTx">
+<p:sldLayout xmlns:a="http://schemas.openxmlformats.org/drawingml/2006/main" xmlns:r="http://schemas.openxmlformats.org/officeDocument/2006/relationships" xmlns:p="http://schemas.openxmlformats.org/presentationml/2006/main" type="twoColTx">
   <p:cSld name="Title and two columns">
     <p:spTree>
       <p:nvGrpSpPr>
-        <p:cNvPr id="21" name="Shape 21"/>
+        <p:cNvPr id="1" name="Shape 21"/>
         <p:cNvGrpSpPr/>
         <p:nvPr/>
       </p:nvGrpSpPr>
@@ -2385,7 +2597,9 @@
       <p:sp>
         <p:nvSpPr>
           <p:cNvPr id="22" name="Shape 22"/>
-          <p:cNvSpPr txBox="1"/>
+          <p:cNvSpPr txBox="1">
+            <a:spLocks noGrp="1"/>
+          </p:cNvSpPr>
           <p:nvPr>
             <p:ph type="title"/>
           </p:nvPr>
@@ -2400,7 +2614,7 @@
           </a:prstGeom>
         </p:spPr>
         <p:txBody>
-          <a:bodyPr anchorCtr="0" anchor="t" bIns="91425" lIns="91425" rIns="91425" tIns="91425"/>
+          <a:bodyPr lIns="91425" tIns="91425" rIns="91425" bIns="91425" anchor="t" anchorCtr="0"/>
           <a:lstStyle>
             <a:lvl1pPr lvl="0">
               <a:spcBef>
@@ -2457,15 +2671,19 @@
               <a:defRPr/>
             </a:lvl9pPr>
           </a:lstStyle>
-          <a:p/>
+          <a:p>
+            <a:endParaRPr/>
+          </a:p>
         </p:txBody>
       </p:sp>
       <p:sp>
         <p:nvSpPr>
           <p:cNvPr id="23" name="Shape 23"/>
-          <p:cNvSpPr txBox="1"/>
+          <p:cNvSpPr txBox="1">
+            <a:spLocks noGrp="1"/>
+          </p:cNvSpPr>
           <p:nvPr>
-            <p:ph idx="1" type="body"/>
+            <p:ph type="body" idx="1"/>
           </p:nvPr>
         </p:nvSpPr>
         <p:spPr>
@@ -2478,7 +2696,7 @@
           </a:prstGeom>
         </p:spPr>
         <p:txBody>
-          <a:bodyPr anchorCtr="0" anchor="t" bIns="91425" lIns="91425" rIns="91425" tIns="91425"/>
+          <a:bodyPr lIns="91425" tIns="91425" rIns="91425" bIns="91425" anchor="t" anchorCtr="0"/>
           <a:lstStyle>
             <a:lvl1pPr lvl="0">
               <a:spcBef>
@@ -2544,15 +2762,19 @@
               <a:defRPr sz="1200"/>
             </a:lvl9pPr>
           </a:lstStyle>
-          <a:p/>
+          <a:p>
+            <a:endParaRPr/>
+          </a:p>
         </p:txBody>
       </p:sp>
       <p:sp>
         <p:nvSpPr>
           <p:cNvPr id="24" name="Shape 24"/>
-          <p:cNvSpPr txBox="1"/>
+          <p:cNvSpPr txBox="1">
+            <a:spLocks noGrp="1"/>
+          </p:cNvSpPr>
           <p:nvPr>
-            <p:ph idx="2" type="body"/>
+            <p:ph type="body" idx="2"/>
           </p:nvPr>
         </p:nvSpPr>
         <p:spPr>
@@ -2565,7 +2787,7 @@
           </a:prstGeom>
         </p:spPr>
         <p:txBody>
-          <a:bodyPr anchorCtr="0" anchor="t" bIns="91425" lIns="91425" rIns="91425" tIns="91425"/>
+          <a:bodyPr lIns="91425" tIns="91425" rIns="91425" bIns="91425" anchor="t" anchorCtr="0"/>
           <a:lstStyle>
             <a:lvl1pPr lvl="0">
               <a:spcBef>
@@ -2631,15 +2853,19 @@
               <a:defRPr sz="1200"/>
             </a:lvl9pPr>
           </a:lstStyle>
-          <a:p/>
+          <a:p>
+            <a:endParaRPr/>
+          </a:p>
         </p:txBody>
       </p:sp>
       <p:sp>
         <p:nvSpPr>
           <p:cNvPr id="25" name="Shape 25"/>
-          <p:cNvSpPr txBox="1"/>
+          <p:cNvSpPr txBox="1">
+            <a:spLocks noGrp="1"/>
+          </p:cNvSpPr>
           <p:nvPr>
-            <p:ph idx="12" type="sldNum"/>
+            <p:ph type="sldNum" idx="12"/>
           </p:nvPr>
         </p:nvSpPr>
         <p:spPr>
@@ -2652,7 +2878,7 @@
           </a:prstGeom>
         </p:spPr>
         <p:txBody>
-          <a:bodyPr anchorCtr="0" anchor="ctr" bIns="91425" lIns="91425" rIns="91425" tIns="91425">
+          <a:bodyPr lIns="91425" tIns="91425" rIns="91425" bIns="91425" anchor="ctr" anchorCtr="0">
             <a:noAutofit/>
           </a:bodyPr>
           <a:lstStyle/>
@@ -2667,6 +2893,7 @@
               <a:rPr lang="en"/>
               <a:t>‹#›</a:t>
             </a:fld>
+            <a:endParaRPr lang="en"/>
           </a:p>
         </p:txBody>
       </p:sp>
@@ -2679,11 +2906,11 @@
 </file>
 
 <file path=ppt/slideLayouts/slideLayout5.xml><?xml version="1.0" encoding="utf-8"?>
-<p:sldLayout xmlns:a="http://schemas.openxmlformats.org/drawingml/2006/main" xmlns:r="http://schemas.openxmlformats.org/officeDocument/2006/relationships" xmlns:mc="http://schemas.openxmlformats.org/markup-compatibility/2006" xmlns:mv="urn:schemas-microsoft-com:mac:vml" xmlns:p="http://schemas.openxmlformats.org/presentationml/2006/main" xmlns:c="http://schemas.openxmlformats.org/drawingml/2006/chart" xmlns:dgm="http://schemas.openxmlformats.org/drawingml/2006/diagram" xmlns:o="urn:schemas-microsoft-com:office:office" xmlns:v="urn:schemas-microsoft-com:vml" xmlns:pvml="urn:schemas-microsoft-com:office:powerpoint" xmlns:com="http://schemas.openxmlformats.org/drawingml/2006/compatibility" xmlns:p14="http://schemas.microsoft.com/office/powerpoint/2010/main" type="titleOnly">
+<p:sldLayout xmlns:a="http://schemas.openxmlformats.org/drawingml/2006/main" xmlns:r="http://schemas.openxmlformats.org/officeDocument/2006/relationships" xmlns:p="http://schemas.openxmlformats.org/presentationml/2006/main" type="titleOnly">
   <p:cSld name="Title only">
     <p:spTree>
       <p:nvGrpSpPr>
-        <p:cNvPr id="26" name="Shape 26"/>
+        <p:cNvPr id="1" name="Shape 26"/>
         <p:cNvGrpSpPr/>
         <p:nvPr/>
       </p:nvGrpSpPr>
@@ -2698,7 +2925,9 @@
       <p:sp>
         <p:nvSpPr>
           <p:cNvPr id="27" name="Shape 27"/>
-          <p:cNvSpPr txBox="1"/>
+          <p:cNvSpPr txBox="1">
+            <a:spLocks noGrp="1"/>
+          </p:cNvSpPr>
           <p:nvPr>
             <p:ph type="title"/>
           </p:nvPr>
@@ -2713,7 +2942,7 @@
           </a:prstGeom>
         </p:spPr>
         <p:txBody>
-          <a:bodyPr anchorCtr="0" anchor="t" bIns="91425" lIns="91425" rIns="91425" tIns="91425"/>
+          <a:bodyPr lIns="91425" tIns="91425" rIns="91425" bIns="91425" anchor="t" anchorCtr="0"/>
           <a:lstStyle>
             <a:lvl1pPr lvl="0">
               <a:spcBef>
@@ -2779,15 +3008,19 @@
               <a:defRPr sz="4000"/>
             </a:lvl9pPr>
           </a:lstStyle>
-          <a:p/>
+          <a:p>
+            <a:endParaRPr/>
+          </a:p>
         </p:txBody>
       </p:sp>
       <p:sp>
         <p:nvSpPr>
           <p:cNvPr id="28" name="Shape 28"/>
-          <p:cNvSpPr txBox="1"/>
+          <p:cNvSpPr txBox="1">
+            <a:spLocks noGrp="1"/>
+          </p:cNvSpPr>
           <p:nvPr>
-            <p:ph idx="12" type="sldNum"/>
+            <p:ph type="sldNum" idx="12"/>
           </p:nvPr>
         </p:nvSpPr>
         <p:spPr>
@@ -2800,7 +3033,7 @@
           </a:prstGeom>
         </p:spPr>
         <p:txBody>
-          <a:bodyPr anchorCtr="0" anchor="ctr" bIns="91425" lIns="91425" rIns="91425" tIns="91425">
+          <a:bodyPr lIns="91425" tIns="91425" rIns="91425" bIns="91425" anchor="ctr" anchorCtr="0">
             <a:noAutofit/>
           </a:bodyPr>
           <a:lstStyle/>
@@ -2815,6 +3048,7 @@
               <a:rPr lang="en"/>
               <a:t>‹#›</a:t>
             </a:fld>
+            <a:endParaRPr lang="en"/>
           </a:p>
         </p:txBody>
       </p:sp>
@@ -2827,11 +3061,11 @@
 </file>
 
 <file path=ppt/slideLayouts/slideLayout6.xml><?xml version="1.0" encoding="utf-8"?>
-<p:sldLayout xmlns:a="http://schemas.openxmlformats.org/drawingml/2006/main" xmlns:r="http://schemas.openxmlformats.org/officeDocument/2006/relationships" xmlns:mc="http://schemas.openxmlformats.org/markup-compatibility/2006" xmlns:mv="urn:schemas-microsoft-com:mac:vml" xmlns:p="http://schemas.openxmlformats.org/presentationml/2006/main" xmlns:c="http://schemas.openxmlformats.org/drawingml/2006/chart" xmlns:dgm="http://schemas.openxmlformats.org/drawingml/2006/diagram" xmlns:o="urn:schemas-microsoft-com:office:office" xmlns:v="urn:schemas-microsoft-com:vml" xmlns:pvml="urn:schemas-microsoft-com:office:powerpoint" xmlns:com="http://schemas.openxmlformats.org/drawingml/2006/compatibility" xmlns:p14="http://schemas.microsoft.com/office/powerpoint/2010/main">
+<p:sldLayout xmlns:a="http://schemas.openxmlformats.org/drawingml/2006/main" xmlns:r="http://schemas.openxmlformats.org/officeDocument/2006/relationships" xmlns:p="http://schemas.openxmlformats.org/presentationml/2006/main">
   <p:cSld name="One column text">
     <p:spTree>
       <p:nvGrpSpPr>
-        <p:cNvPr id="29" name="Shape 29"/>
+        <p:cNvPr id="1" name="Shape 29"/>
         <p:cNvGrpSpPr/>
         <p:nvPr/>
       </p:nvGrpSpPr>
@@ -2846,7 +3080,9 @@
       <p:sp>
         <p:nvSpPr>
           <p:cNvPr id="30" name="Shape 30"/>
-          <p:cNvSpPr txBox="1"/>
+          <p:cNvSpPr txBox="1">
+            <a:spLocks noGrp="1"/>
+          </p:cNvSpPr>
           <p:nvPr>
             <p:ph type="title"/>
           </p:nvPr>
@@ -2861,7 +3097,7 @@
           </a:prstGeom>
         </p:spPr>
         <p:txBody>
-          <a:bodyPr anchorCtr="0" anchor="b" bIns="91425" lIns="91425" rIns="91425" tIns="91425"/>
+          <a:bodyPr lIns="91425" tIns="91425" rIns="91425" bIns="91425" anchor="b" anchorCtr="0"/>
           <a:lstStyle>
             <a:lvl1pPr lvl="0">
               <a:spcBef>
@@ -2927,15 +3163,19 @@
               <a:defRPr sz="3000"/>
             </a:lvl9pPr>
           </a:lstStyle>
-          <a:p/>
+          <a:p>
+            <a:endParaRPr/>
+          </a:p>
         </p:txBody>
       </p:sp>
       <p:sp>
         <p:nvSpPr>
           <p:cNvPr id="31" name="Shape 31"/>
-          <p:cNvSpPr txBox="1"/>
+          <p:cNvSpPr txBox="1">
+            <a:spLocks noGrp="1"/>
+          </p:cNvSpPr>
           <p:nvPr>
-            <p:ph idx="1" type="body"/>
+            <p:ph type="body" idx="1"/>
           </p:nvPr>
         </p:nvSpPr>
         <p:spPr>
@@ -2948,7 +3188,7 @@
           </a:prstGeom>
         </p:spPr>
         <p:txBody>
-          <a:bodyPr anchorCtr="0" anchor="t" bIns="91425" lIns="91425" rIns="91425" tIns="91425"/>
+          <a:bodyPr lIns="91425" tIns="91425" rIns="91425" bIns="91425" anchor="t" anchorCtr="0"/>
           <a:lstStyle>
             <a:lvl1pPr lvl="0">
               <a:spcBef>
@@ -3014,15 +3254,19 @@
               <a:defRPr sz="1200"/>
             </a:lvl9pPr>
           </a:lstStyle>
-          <a:p/>
+          <a:p>
+            <a:endParaRPr/>
+          </a:p>
         </p:txBody>
       </p:sp>
       <p:sp>
         <p:nvSpPr>
           <p:cNvPr id="32" name="Shape 32"/>
-          <p:cNvSpPr txBox="1"/>
+          <p:cNvSpPr txBox="1">
+            <a:spLocks noGrp="1"/>
+          </p:cNvSpPr>
           <p:nvPr>
-            <p:ph idx="12" type="sldNum"/>
+            <p:ph type="sldNum" idx="12"/>
           </p:nvPr>
         </p:nvSpPr>
         <p:spPr>
@@ -3035,7 +3279,7 @@
           </a:prstGeom>
         </p:spPr>
         <p:txBody>
-          <a:bodyPr anchorCtr="0" anchor="ctr" bIns="91425" lIns="91425" rIns="91425" tIns="91425">
+          <a:bodyPr lIns="91425" tIns="91425" rIns="91425" bIns="91425" anchor="ctr" anchorCtr="0">
             <a:noAutofit/>
           </a:bodyPr>
           <a:lstStyle/>
@@ -3050,6 +3294,7 @@
               <a:rPr lang="en"/>
               <a:t>‹#›</a:t>
             </a:fld>
+            <a:endParaRPr lang="en"/>
           </a:p>
         </p:txBody>
       </p:sp>
@@ -3062,18 +3307,19 @@
 </file>
 
 <file path=ppt/slideLayouts/slideLayout7.xml><?xml version="1.0" encoding="utf-8"?>
-<p:sldLayout xmlns:a="http://schemas.openxmlformats.org/drawingml/2006/main" xmlns:r="http://schemas.openxmlformats.org/officeDocument/2006/relationships" xmlns:mc="http://schemas.openxmlformats.org/markup-compatibility/2006" xmlns:mv="urn:schemas-microsoft-com:mac:vml" xmlns:p="http://schemas.openxmlformats.org/presentationml/2006/main" xmlns:c="http://schemas.openxmlformats.org/drawingml/2006/chart" xmlns:dgm="http://schemas.openxmlformats.org/drawingml/2006/diagram" xmlns:o="urn:schemas-microsoft-com:office:office" xmlns:v="urn:schemas-microsoft-com:vml" xmlns:pvml="urn:schemas-microsoft-com:office:powerpoint" xmlns:com="http://schemas.openxmlformats.org/drawingml/2006/compatibility" xmlns:p14="http://schemas.microsoft.com/office/powerpoint/2010/main">
+<p:sldLayout xmlns:a="http://schemas.openxmlformats.org/drawingml/2006/main" xmlns:r="http://schemas.openxmlformats.org/officeDocument/2006/relationships" xmlns:p="http://schemas.openxmlformats.org/presentationml/2006/main">
   <p:cSld name="Main point">
     <p:bg>
       <p:bgPr>
         <a:solidFill>
           <a:schemeClr val="accent4"/>
         </a:solidFill>
+        <a:effectLst/>
       </p:bgPr>
     </p:bg>
     <p:spTree>
       <p:nvGrpSpPr>
-        <p:cNvPr id="33" name="Shape 33"/>
+        <p:cNvPr id="1" name="Shape 33"/>
         <p:cNvGrpSpPr/>
         <p:nvPr/>
       </p:nvGrpSpPr>
@@ -3088,7 +3334,9 @@
       <p:sp>
         <p:nvSpPr>
           <p:cNvPr id="34" name="Shape 34"/>
-          <p:cNvSpPr txBox="1"/>
+          <p:cNvSpPr txBox="1">
+            <a:spLocks noGrp="1"/>
+          </p:cNvSpPr>
           <p:nvPr>
             <p:ph type="title"/>
           </p:nvPr>
@@ -3103,7 +3351,7 @@
           </a:prstGeom>
         </p:spPr>
         <p:txBody>
-          <a:bodyPr anchorCtr="0" anchor="ctr" bIns="91425" lIns="91425" rIns="91425" tIns="91425"/>
+          <a:bodyPr lIns="91425" tIns="91425" rIns="91425" bIns="91425" anchor="ctr" anchorCtr="0"/>
           <a:lstStyle>
             <a:lvl1pPr lvl="0">
               <a:spcBef>
@@ -3232,15 +3480,19 @@
               </a:defRPr>
             </a:lvl9pPr>
           </a:lstStyle>
-          <a:p/>
+          <a:p>
+            <a:endParaRPr/>
+          </a:p>
         </p:txBody>
       </p:sp>
       <p:sp>
         <p:nvSpPr>
           <p:cNvPr id="35" name="Shape 35"/>
-          <p:cNvSpPr txBox="1"/>
+          <p:cNvSpPr txBox="1">
+            <a:spLocks noGrp="1"/>
+          </p:cNvSpPr>
           <p:nvPr>
-            <p:ph idx="12" type="sldNum"/>
+            <p:ph type="sldNum" idx="12"/>
           </p:nvPr>
         </p:nvSpPr>
         <p:spPr>
@@ -3253,7 +3505,7 @@
           </a:prstGeom>
         </p:spPr>
         <p:txBody>
-          <a:bodyPr anchorCtr="0" anchor="ctr" bIns="91425" lIns="91425" rIns="91425" tIns="91425">
+          <a:bodyPr lIns="91425" tIns="91425" rIns="91425" bIns="91425" anchor="ctr" anchorCtr="0">
             <a:noAutofit/>
           </a:bodyPr>
           <a:lstStyle/>
@@ -3272,6 +3524,11 @@
               </a:rPr>
               <a:t>‹#›</a:t>
             </a:fld>
+            <a:endParaRPr lang="en">
+              <a:solidFill>
+                <a:schemeClr val="lt1"/>
+              </a:solidFill>
+            </a:endParaRPr>
           </a:p>
         </p:txBody>
       </p:sp>
@@ -3284,11 +3541,11 @@
 </file>
 
 <file path=ppt/slideLayouts/slideLayout8.xml><?xml version="1.0" encoding="utf-8"?>
-<p:sldLayout xmlns:a="http://schemas.openxmlformats.org/drawingml/2006/main" xmlns:r="http://schemas.openxmlformats.org/officeDocument/2006/relationships" xmlns:mc="http://schemas.openxmlformats.org/markup-compatibility/2006" xmlns:mv="urn:schemas-microsoft-com:mac:vml" xmlns:p="http://schemas.openxmlformats.org/presentationml/2006/main" xmlns:c="http://schemas.openxmlformats.org/drawingml/2006/chart" xmlns:dgm="http://schemas.openxmlformats.org/drawingml/2006/diagram" xmlns:o="urn:schemas-microsoft-com:office:office" xmlns:v="urn:schemas-microsoft-com:vml" xmlns:pvml="urn:schemas-microsoft-com:office:powerpoint" xmlns:com="http://schemas.openxmlformats.org/drawingml/2006/compatibility" xmlns:p14="http://schemas.microsoft.com/office/powerpoint/2010/main">
+<p:sldLayout xmlns:a="http://schemas.openxmlformats.org/drawingml/2006/main" xmlns:r="http://schemas.openxmlformats.org/officeDocument/2006/relationships" xmlns:p="http://schemas.openxmlformats.org/presentationml/2006/main">
   <p:cSld name="Section title and description">
     <p:spTree>
       <p:nvGrpSpPr>
-        <p:cNvPr id="36" name="Shape 36"/>
+        <p:cNvPr id="1" name="Shape 36"/>
         <p:cNvGrpSpPr/>
         <p:nvPr/>
       </p:nvGrpSpPr>
@@ -3322,7 +3579,7 @@
           </a:ln>
         </p:spPr>
         <p:txBody>
-          <a:bodyPr anchorCtr="0" anchor="ctr" bIns="91425" lIns="91425" rIns="91425" tIns="91425">
+          <a:bodyPr lIns="91425" tIns="91425" rIns="91425" bIns="91425" anchor="ctr" anchorCtr="0">
             <a:noAutofit/>
           </a:bodyPr>
           <a:lstStyle/>
@@ -3333,9 +3590,6 @@
               </a:spcBef>
               <a:buNone/>
             </a:pPr>
-            <a:r>
-              <a:t/>
-            </a:r>
             <a:endParaRPr/>
           </a:p>
         </p:txBody>
@@ -3355,21 +3609,23 @@
             <a:avLst/>
           </a:prstGeom>
           <a:noFill/>
-          <a:ln cap="flat" cmpd="sng" w="28575">
+          <a:ln w="28575" cap="flat" cmpd="sng">
             <a:solidFill>
               <a:schemeClr val="lt1"/>
             </a:solidFill>
             <a:prstDash val="solid"/>
             <a:round/>
-            <a:headEnd len="med" w="med" type="none"/>
-            <a:tailEnd len="med" w="med" type="none"/>
+            <a:headEnd type="none" w="med" len="med"/>
+            <a:tailEnd type="none" w="med" len="med"/>
           </a:ln>
         </p:spPr>
       </p:cxnSp>
       <p:sp>
         <p:nvSpPr>
           <p:cNvPr id="39" name="Shape 39"/>
-          <p:cNvSpPr txBox="1"/>
+          <p:cNvSpPr txBox="1">
+            <a:spLocks noGrp="1"/>
+          </p:cNvSpPr>
           <p:nvPr>
             <p:ph type="title"/>
           </p:nvPr>
@@ -3384,7 +3640,7 @@
           </a:prstGeom>
         </p:spPr>
         <p:txBody>
-          <a:bodyPr anchorCtr="0" anchor="b" bIns="91425" lIns="91425" rIns="91425" tIns="91425"/>
+          <a:bodyPr lIns="91425" tIns="91425" rIns="91425" bIns="91425" anchor="b" anchorCtr="0"/>
           <a:lstStyle>
             <a:lvl1pPr lvl="0" algn="ctr">
               <a:spcBef>
@@ -3450,15 +3706,19 @@
               <a:defRPr sz="5400"/>
             </a:lvl9pPr>
           </a:lstStyle>
-          <a:p/>
+          <a:p>
+            <a:endParaRPr/>
+          </a:p>
         </p:txBody>
       </p:sp>
       <p:sp>
         <p:nvSpPr>
           <p:cNvPr id="40" name="Shape 40"/>
-          <p:cNvSpPr txBox="1"/>
+          <p:cNvSpPr txBox="1">
+            <a:spLocks noGrp="1"/>
+          </p:cNvSpPr>
           <p:nvPr>
-            <p:ph idx="1" type="subTitle"/>
+            <p:ph type="subTitle" idx="1"/>
           </p:nvPr>
         </p:nvSpPr>
         <p:spPr>
@@ -3471,7 +3731,7 @@
           </a:prstGeom>
         </p:spPr>
         <p:txBody>
-          <a:bodyPr anchorCtr="0" anchor="t" bIns="91425" lIns="91425" rIns="91425" tIns="91425"/>
+          <a:bodyPr lIns="91425" tIns="91425" rIns="91425" bIns="91425" anchor="t" anchorCtr="0"/>
           <a:lstStyle>
             <a:lvl1pPr lvl="0" algn="ctr">
               <a:lnSpc>
@@ -3599,15 +3859,19 @@
               <a:defRPr sz="1800"/>
             </a:lvl9pPr>
           </a:lstStyle>
-          <a:p/>
+          <a:p>
+            <a:endParaRPr/>
+          </a:p>
         </p:txBody>
       </p:sp>
       <p:sp>
         <p:nvSpPr>
           <p:cNvPr id="41" name="Shape 41"/>
-          <p:cNvSpPr txBox="1"/>
+          <p:cNvSpPr txBox="1">
+            <a:spLocks noGrp="1"/>
+          </p:cNvSpPr>
           <p:nvPr>
-            <p:ph idx="2" type="body"/>
+            <p:ph type="body" idx="2"/>
           </p:nvPr>
         </p:nvSpPr>
         <p:spPr>
@@ -3620,7 +3884,7 @@
           </a:prstGeom>
         </p:spPr>
         <p:txBody>
-          <a:bodyPr anchorCtr="0" anchor="ctr" bIns="91425" lIns="91425" rIns="91425" tIns="91425"/>
+          <a:bodyPr lIns="91425" tIns="91425" rIns="91425" bIns="91425" anchor="ctr" anchorCtr="0"/>
           <a:lstStyle>
             <a:lvl1pPr lvl="0">
               <a:spcBef>
@@ -3740,15 +4004,19 @@
               </a:defRPr>
             </a:lvl9pPr>
           </a:lstStyle>
-          <a:p/>
+          <a:p>
+            <a:endParaRPr/>
+          </a:p>
         </p:txBody>
       </p:sp>
       <p:sp>
         <p:nvSpPr>
           <p:cNvPr id="42" name="Shape 42"/>
-          <p:cNvSpPr txBox="1"/>
+          <p:cNvSpPr txBox="1">
+            <a:spLocks noGrp="1"/>
+          </p:cNvSpPr>
           <p:nvPr>
-            <p:ph idx="12" type="sldNum"/>
+            <p:ph type="sldNum" idx="12"/>
           </p:nvPr>
         </p:nvSpPr>
         <p:spPr>
@@ -3761,7 +4029,7 @@
           </a:prstGeom>
         </p:spPr>
         <p:txBody>
-          <a:bodyPr anchorCtr="0" anchor="ctr" bIns="91425" lIns="91425" rIns="91425" tIns="91425">
+          <a:bodyPr lIns="91425" tIns="91425" rIns="91425" bIns="91425" anchor="ctr" anchorCtr="0">
             <a:noAutofit/>
           </a:bodyPr>
           <a:lstStyle/>
@@ -3776,6 +4044,7 @@
               <a:rPr lang="en"/>
               <a:t>‹#›</a:t>
             </a:fld>
+            <a:endParaRPr lang="en"/>
           </a:p>
         </p:txBody>
       </p:sp>
@@ -3788,11 +4057,11 @@
 </file>
 
 <file path=ppt/slideLayouts/slideLayout9.xml><?xml version="1.0" encoding="utf-8"?>
-<p:sldLayout xmlns:a="http://schemas.openxmlformats.org/drawingml/2006/main" xmlns:r="http://schemas.openxmlformats.org/officeDocument/2006/relationships" xmlns:mc="http://schemas.openxmlformats.org/markup-compatibility/2006" xmlns:mv="urn:schemas-microsoft-com:mac:vml" xmlns:p="http://schemas.openxmlformats.org/presentationml/2006/main" xmlns:c="http://schemas.openxmlformats.org/drawingml/2006/chart" xmlns:dgm="http://schemas.openxmlformats.org/drawingml/2006/diagram" xmlns:o="urn:schemas-microsoft-com:office:office" xmlns:v="urn:schemas-microsoft-com:vml" xmlns:pvml="urn:schemas-microsoft-com:office:powerpoint" xmlns:com="http://schemas.openxmlformats.org/drawingml/2006/compatibility" xmlns:p14="http://schemas.microsoft.com/office/powerpoint/2010/main">
+<p:sldLayout xmlns:a="http://schemas.openxmlformats.org/drawingml/2006/main" xmlns:r="http://schemas.openxmlformats.org/officeDocument/2006/relationships" xmlns:p="http://schemas.openxmlformats.org/presentationml/2006/main">
   <p:cSld name="Caption">
     <p:spTree>
       <p:nvGrpSpPr>
-        <p:cNvPr id="43" name="Shape 43"/>
+        <p:cNvPr id="1" name="Shape 43"/>
         <p:cNvGrpSpPr/>
         <p:nvPr/>
       </p:nvGrpSpPr>
@@ -3807,9 +4076,11 @@
       <p:sp>
         <p:nvSpPr>
           <p:cNvPr id="44" name="Shape 44"/>
-          <p:cNvSpPr txBox="1"/>
+          <p:cNvSpPr txBox="1">
+            <a:spLocks noGrp="1"/>
+          </p:cNvSpPr>
           <p:nvPr>
-            <p:ph idx="1" type="body"/>
+            <p:ph type="body" idx="1"/>
           </p:nvPr>
         </p:nvSpPr>
         <p:spPr>
@@ -3822,7 +4093,7 @@
           </a:prstGeom>
         </p:spPr>
         <p:txBody>
-          <a:bodyPr anchorCtr="0" anchor="ctr" bIns="91425" lIns="91425" rIns="91425" tIns="91425"/>
+          <a:bodyPr lIns="91425" tIns="91425" rIns="91425" bIns="91425" anchor="ctr" anchorCtr="0"/>
           <a:lstStyle>
             <a:lvl1pPr lvl="0">
               <a:lnSpc>
@@ -3840,7 +4111,7 @@
               <a:buSzPct val="100000"/>
               <a:buFont typeface="Amatic SC"/>
               <a:buNone/>
-              <a:defRPr b="1" sz="2400">
+              <a:defRPr sz="2400" b="1">
                 <a:solidFill>
                   <a:schemeClr val="accent1"/>
                 </a:solidFill>
@@ -3851,15 +4122,19 @@
               </a:defRPr>
             </a:lvl1pPr>
           </a:lstStyle>
-          <a:p/>
+          <a:p>
+            <a:endParaRPr/>
+          </a:p>
         </p:txBody>
       </p:sp>
       <p:sp>
         <p:nvSpPr>
           <p:cNvPr id="45" name="Shape 45"/>
-          <p:cNvSpPr txBox="1"/>
+          <p:cNvSpPr txBox="1">
+            <a:spLocks noGrp="1"/>
+          </p:cNvSpPr>
           <p:nvPr>
-            <p:ph idx="12" type="sldNum"/>
+            <p:ph type="sldNum" idx="12"/>
           </p:nvPr>
         </p:nvSpPr>
         <p:spPr>
@@ -3872,7 +4147,7 @@
           </a:prstGeom>
         </p:spPr>
         <p:txBody>
-          <a:bodyPr anchorCtr="0" anchor="ctr" bIns="91425" lIns="91425" rIns="91425" tIns="91425">
+          <a:bodyPr lIns="91425" tIns="91425" rIns="91425" bIns="91425" anchor="ctr" anchorCtr="0">
             <a:noAutofit/>
           </a:bodyPr>
           <a:lstStyle/>
@@ -3887,6 +4162,7 @@
               <a:rPr lang="en"/>
               <a:t>‹#›</a:t>
             </a:fld>
+            <a:endParaRPr lang="en"/>
           </a:p>
         </p:txBody>
       </p:sp>
@@ -3899,18 +4175,19 @@
 </file>
 
 <file path=ppt/slideMasters/slideMaster1.xml><?xml version="1.0" encoding="utf-8"?>
-<p:sldMaster xmlns:a="http://schemas.openxmlformats.org/drawingml/2006/main" xmlns:r="http://schemas.openxmlformats.org/officeDocument/2006/relationships" xmlns:mc="http://schemas.openxmlformats.org/markup-compatibility/2006" xmlns:mv="urn:schemas-microsoft-com:mac:vml" xmlns:p="http://schemas.openxmlformats.org/presentationml/2006/main" xmlns:c="http://schemas.openxmlformats.org/drawingml/2006/chart" xmlns:dgm="http://schemas.openxmlformats.org/drawingml/2006/diagram" xmlns:o="urn:schemas-microsoft-com:office:office" xmlns:v="urn:schemas-microsoft-com:vml" xmlns:pvml="urn:schemas-microsoft-com:office:powerpoint" xmlns:com="http://schemas.openxmlformats.org/drawingml/2006/compatibility" xmlns:p14="http://schemas.microsoft.com/office/powerpoint/2010/main">
+<p:sldMaster xmlns:a="http://schemas.openxmlformats.org/drawingml/2006/main" xmlns:r="http://schemas.openxmlformats.org/officeDocument/2006/relationships" xmlns:p="http://schemas.openxmlformats.org/presentationml/2006/main">
   <p:cSld>
     <p:bg>
       <p:bgPr>
         <a:solidFill>
           <a:schemeClr val="lt1"/>
         </a:solidFill>
+        <a:effectLst/>
       </p:bgPr>
     </p:bg>
     <p:spTree>
       <p:nvGrpSpPr>
-        <p:cNvPr id="5" name="Shape 5"/>
+        <p:cNvPr id="1" name="Shape 5"/>
         <p:cNvGrpSpPr/>
         <p:nvPr/>
       </p:nvGrpSpPr>
@@ -3925,7 +4202,9 @@
       <p:sp>
         <p:nvSpPr>
           <p:cNvPr id="6" name="Shape 6"/>
-          <p:cNvSpPr txBox="1"/>
+          <p:cNvSpPr txBox="1">
+            <a:spLocks noGrp="1"/>
+          </p:cNvSpPr>
           <p:nvPr>
             <p:ph type="title"/>
           </p:nvPr>
@@ -3944,7 +4223,7 @@
           </a:ln>
         </p:spPr>
         <p:txBody>
-          <a:bodyPr anchorCtr="0" anchor="t" bIns="91425" lIns="91425" rIns="91425" tIns="91425"/>
+          <a:bodyPr lIns="91425" tIns="91425" rIns="91425" bIns="91425" anchor="t" anchorCtr="0"/>
           <a:lstStyle>
             <a:lvl1pPr lvl="0">
               <a:spcBef>
@@ -3956,7 +4235,7 @@
               <a:buSzPct val="100000"/>
               <a:buFont typeface="Amatic SC"/>
               <a:buNone/>
-              <a:defRPr b="1" sz="4200">
+              <a:defRPr sz="4200" b="1">
                 <a:solidFill>
                   <a:schemeClr val="accent1"/>
                 </a:solidFill>
@@ -3976,7 +4255,7 @@
               <a:buSzPct val="100000"/>
               <a:buFont typeface="Amatic SC"/>
               <a:buNone/>
-              <a:defRPr b="1" sz="4200">
+              <a:defRPr sz="4200" b="1">
                 <a:solidFill>
                   <a:schemeClr val="accent1"/>
                 </a:solidFill>
@@ -3996,7 +4275,7 @@
               <a:buSzPct val="100000"/>
               <a:buFont typeface="Amatic SC"/>
               <a:buNone/>
-              <a:defRPr b="1" sz="4200">
+              <a:defRPr sz="4200" b="1">
                 <a:solidFill>
                   <a:schemeClr val="accent1"/>
                 </a:solidFill>
@@ -4016,7 +4295,7 @@
               <a:buSzPct val="100000"/>
               <a:buFont typeface="Amatic SC"/>
               <a:buNone/>
-              <a:defRPr b="1" sz="4200">
+              <a:defRPr sz="4200" b="1">
                 <a:solidFill>
                   <a:schemeClr val="accent1"/>
                 </a:solidFill>
@@ -4036,7 +4315,7 @@
               <a:buSzPct val="100000"/>
               <a:buFont typeface="Amatic SC"/>
               <a:buNone/>
-              <a:defRPr b="1" sz="4200">
+              <a:defRPr sz="4200" b="1">
                 <a:solidFill>
                   <a:schemeClr val="accent1"/>
                 </a:solidFill>
@@ -4056,7 +4335,7 @@
               <a:buSzPct val="100000"/>
               <a:buFont typeface="Amatic SC"/>
               <a:buNone/>
-              <a:defRPr b="1" sz="4200">
+              <a:defRPr sz="4200" b="1">
                 <a:solidFill>
                   <a:schemeClr val="accent1"/>
                 </a:solidFill>
@@ -4076,7 +4355,7 @@
               <a:buSzPct val="100000"/>
               <a:buFont typeface="Amatic SC"/>
               <a:buNone/>
-              <a:defRPr b="1" sz="4200">
+              <a:defRPr sz="4200" b="1">
                 <a:solidFill>
                   <a:schemeClr val="accent1"/>
                 </a:solidFill>
@@ -4096,7 +4375,7 @@
               <a:buSzPct val="100000"/>
               <a:buFont typeface="Amatic SC"/>
               <a:buNone/>
-              <a:defRPr b="1" sz="4200">
+              <a:defRPr sz="4200" b="1">
                 <a:solidFill>
                   <a:schemeClr val="accent1"/>
                 </a:solidFill>
@@ -4116,7 +4395,7 @@
               <a:buSzPct val="100000"/>
               <a:buFont typeface="Amatic SC"/>
               <a:buNone/>
-              <a:defRPr b="1" sz="4200">
+              <a:defRPr sz="4200" b="1">
                 <a:solidFill>
                   <a:schemeClr val="accent1"/>
                 </a:solidFill>
@@ -4127,15 +4406,19 @@
               </a:defRPr>
             </a:lvl9pPr>
           </a:lstStyle>
-          <a:p/>
+          <a:p>
+            <a:endParaRPr/>
+          </a:p>
         </p:txBody>
       </p:sp>
       <p:sp>
         <p:nvSpPr>
           <p:cNvPr id="7" name="Shape 7"/>
-          <p:cNvSpPr txBox="1"/>
+          <p:cNvSpPr txBox="1">
+            <a:spLocks noGrp="1"/>
+          </p:cNvSpPr>
           <p:nvPr>
-            <p:ph idx="1" type="body"/>
+            <p:ph type="body" idx="1"/>
           </p:nvPr>
         </p:nvSpPr>
         <p:spPr>
@@ -4152,7 +4435,7 @@
           </a:ln>
         </p:spPr>
         <p:txBody>
-          <a:bodyPr anchorCtr="0" anchor="t" bIns="91425" lIns="91425" rIns="91425" tIns="91425"/>
+          <a:bodyPr lIns="91425" tIns="91425" rIns="91425" bIns="91425" anchor="t" anchorCtr="0"/>
           <a:lstStyle>
             <a:lvl1pPr lvl="0">
               <a:lnSpc>
@@ -4372,15 +4655,19 @@
               </a:defRPr>
             </a:lvl9pPr>
           </a:lstStyle>
-          <a:p/>
+          <a:p>
+            <a:endParaRPr/>
+          </a:p>
         </p:txBody>
       </p:sp>
       <p:sp>
         <p:nvSpPr>
           <p:cNvPr id="8" name="Shape 8"/>
-          <p:cNvSpPr txBox="1"/>
+          <p:cNvSpPr txBox="1">
+            <a:spLocks noGrp="1"/>
+          </p:cNvSpPr>
           <p:nvPr>
-            <p:ph idx="12" type="sldNum"/>
+            <p:ph type="sldNum" idx="12"/>
           </p:nvPr>
         </p:nvSpPr>
         <p:spPr>
@@ -4397,7 +4684,7 @@
           </a:ln>
         </p:spPr>
         <p:txBody>
-          <a:bodyPr anchorCtr="0" anchor="ctr" bIns="91425" lIns="91425" rIns="91425" tIns="91425">
+          <a:bodyPr lIns="91425" tIns="91425" rIns="91425" bIns="91425" anchor="ctr" anchorCtr="0">
             <a:noAutofit/>
           </a:bodyPr>
           <a:lstStyle/>
@@ -4420,12 +4707,21 @@
               </a:rPr>
               <a:t>‹#›</a:t>
             </a:fld>
+            <a:endParaRPr lang="en" sz="1000">
+              <a:solidFill>
+                <a:schemeClr val="accent1"/>
+              </a:solidFill>
+              <a:latin typeface="Source Code Pro"/>
+              <a:ea typeface="Source Code Pro"/>
+              <a:cs typeface="Source Code Pro"/>
+              <a:sym typeface="Source Code Pro"/>
+            </a:endParaRPr>
           </a:p>
         </p:txBody>
       </p:sp>
     </p:spTree>
   </p:cSld>
-  <p:clrMap accent1="accent1" accent2="accent2" accent3="accent3" accent4="accent4" accent5="accent5" accent6="accent6" bg1="lt1" bg2="dk2" tx1="dk1" tx2="lt2" folHlink="folHlink" hlink="hlink"/>
+  <p:clrMap bg1="lt1" tx1="dk1" bg2="dk2" tx2="lt2" accent1="accent1" accent2="accent2" accent3="accent3" accent4="accent4" accent5="accent5" accent6="accent6" hlink="hlink" folHlink="folHlink"/>
   <p:sldLayoutIdLst>
     <p:sldLayoutId id="2147483648" r:id="rId1"/>
     <p:sldLayoutId id="2147483649" r:id="rId2"/>
@@ -4439,10 +4735,10 @@
     <p:sldLayoutId id="2147483657" r:id="rId10"/>
     <p:sldLayoutId id="2147483658" r:id="rId11"/>
   </p:sldLayoutIdLst>
-  <p:hf dt="0" ftr="0" hdr="0" sldNum="0"/>
+  <p:hf sldNum="0" hdr="0" ftr="0" dt="0"/>
   <p:txStyles>
     <p:titleStyle>
-      <a:defPPr lvl="0" marR="0" rtl="0" algn="l">
+      <a:defPPr marR="0" lvl="0" algn="l" rtl="0">
         <a:lnSpc>
           <a:spcPct val="100000"/>
         </a:lnSpc>
@@ -4453,7 +4749,7 @@
           <a:spcPts val="0"/>
         </a:spcAft>
       </a:defPPr>
-      <a:lvl1pPr lvl="0" marR="0" rtl="0" algn="l">
+      <a:lvl1pPr marR="0" lvl="0" algn="l" rtl="0">
         <a:lnSpc>
           <a:spcPct val="100000"/>
         </a:lnSpc>
@@ -4464,7 +4760,7 @@
           <a:spcPts val="0"/>
         </a:spcAft>
         <a:buNone/>
-        <a:defRPr b="0" i="0" sz="1400" u="none" cap="none" strike="noStrike">
+        <a:defRPr sz="1400" b="0" i="0" u="none" strike="noStrike" cap="none">
           <a:solidFill>
             <a:srgbClr val="000000"/>
           </a:solidFill>
@@ -4476,7 +4772,7 @@
       </a:lvl1pPr>
     </p:titleStyle>
     <p:bodyStyle>
-      <a:defPPr lvl="0" marR="0" rtl="0" algn="l">
+      <a:defPPr marR="0" lvl="0" algn="l" rtl="0">
         <a:lnSpc>
           <a:spcPct val="100000"/>
         </a:lnSpc>
@@ -4487,7 +4783,7 @@
           <a:spcPts val="0"/>
         </a:spcAft>
       </a:defPPr>
-      <a:lvl1pPr lvl="0" marR="0" rtl="0" algn="l">
+      <a:lvl1pPr marR="0" lvl="0" algn="l" rtl="0">
         <a:lnSpc>
           <a:spcPct val="100000"/>
         </a:lnSpc>
@@ -4498,7 +4794,7 @@
           <a:spcPts val="0"/>
         </a:spcAft>
         <a:buNone/>
-        <a:defRPr b="0" i="0" sz="1400" u="none" cap="none" strike="noStrike">
+        <a:defRPr sz="1400" b="0" i="0" u="none" strike="noStrike" cap="none">
           <a:solidFill>
             <a:srgbClr val="000000"/>
           </a:solidFill>
@@ -4508,7 +4804,7 @@
           <a:sym typeface="Arial"/>
         </a:defRPr>
       </a:lvl1pPr>
-      <a:lvl2pPr lvl="1" marR="0" rtl="0" algn="l">
+      <a:lvl2pPr marR="0" lvl="1" algn="l" rtl="0">
         <a:lnSpc>
           <a:spcPct val="100000"/>
         </a:lnSpc>
@@ -4519,7 +4815,7 @@
           <a:spcPts val="0"/>
         </a:spcAft>
         <a:buNone/>
-        <a:defRPr b="0" i="0" sz="1400" u="none" cap="none" strike="noStrike">
+        <a:defRPr sz="1400" b="0" i="0" u="none" strike="noStrike" cap="none">
           <a:solidFill>
             <a:srgbClr val="000000"/>
           </a:solidFill>
@@ -4529,7 +4825,7 @@
           <a:sym typeface="Arial"/>
         </a:defRPr>
       </a:lvl2pPr>
-      <a:lvl3pPr lvl="2" marR="0" rtl="0" algn="l">
+      <a:lvl3pPr marR="0" lvl="2" algn="l" rtl="0">
         <a:lnSpc>
           <a:spcPct val="100000"/>
         </a:lnSpc>
@@ -4540,7 +4836,7 @@
           <a:spcPts val="0"/>
         </a:spcAft>
         <a:buNone/>
-        <a:defRPr b="0" i="0" sz="1400" u="none" cap="none" strike="noStrike">
+        <a:defRPr sz="1400" b="0" i="0" u="none" strike="noStrike" cap="none">
           <a:solidFill>
             <a:srgbClr val="000000"/>
           </a:solidFill>
@@ -4550,7 +4846,7 @@
           <a:sym typeface="Arial"/>
         </a:defRPr>
       </a:lvl3pPr>
-      <a:lvl4pPr lvl="3" marR="0" rtl="0" algn="l">
+      <a:lvl4pPr marR="0" lvl="3" algn="l" rtl="0">
         <a:lnSpc>
           <a:spcPct val="100000"/>
         </a:lnSpc>
@@ -4561,7 +4857,7 @@
           <a:spcPts val="0"/>
         </a:spcAft>
         <a:buNone/>
-        <a:defRPr b="0" i="0" sz="1400" u="none" cap="none" strike="noStrike">
+        <a:defRPr sz="1400" b="0" i="0" u="none" strike="noStrike" cap="none">
           <a:solidFill>
             <a:srgbClr val="000000"/>
           </a:solidFill>
@@ -4571,7 +4867,7 @@
           <a:sym typeface="Arial"/>
         </a:defRPr>
       </a:lvl4pPr>
-      <a:lvl5pPr lvl="4" marR="0" rtl="0" algn="l">
+      <a:lvl5pPr marR="0" lvl="4" algn="l" rtl="0">
         <a:lnSpc>
           <a:spcPct val="100000"/>
         </a:lnSpc>
@@ -4582,7 +4878,7 @@
           <a:spcPts val="0"/>
         </a:spcAft>
         <a:buNone/>
-        <a:defRPr b="0" i="0" sz="1400" u="none" cap="none" strike="noStrike">
+        <a:defRPr sz="1400" b="0" i="0" u="none" strike="noStrike" cap="none">
           <a:solidFill>
             <a:srgbClr val="000000"/>
           </a:solidFill>
@@ -4592,7 +4888,7 @@
           <a:sym typeface="Arial"/>
         </a:defRPr>
       </a:lvl5pPr>
-      <a:lvl6pPr lvl="5" marR="0" rtl="0" algn="l">
+      <a:lvl6pPr marR="0" lvl="5" algn="l" rtl="0">
         <a:lnSpc>
           <a:spcPct val="100000"/>
         </a:lnSpc>
@@ -4603,7 +4899,7 @@
           <a:spcPts val="0"/>
         </a:spcAft>
         <a:buNone/>
-        <a:defRPr b="0" i="0" sz="1400" u="none" cap="none" strike="noStrike">
+        <a:defRPr sz="1400" b="0" i="0" u="none" strike="noStrike" cap="none">
           <a:solidFill>
             <a:srgbClr val="000000"/>
           </a:solidFill>
@@ -4613,7 +4909,7 @@
           <a:sym typeface="Arial"/>
         </a:defRPr>
       </a:lvl6pPr>
-      <a:lvl7pPr lvl="6" marR="0" rtl="0" algn="l">
+      <a:lvl7pPr marR="0" lvl="6" algn="l" rtl="0">
         <a:lnSpc>
           <a:spcPct val="100000"/>
         </a:lnSpc>
@@ -4624,7 +4920,7 @@
           <a:spcPts val="0"/>
         </a:spcAft>
         <a:buNone/>
-        <a:defRPr b="0" i="0" sz="1400" u="none" cap="none" strike="noStrike">
+        <a:defRPr sz="1400" b="0" i="0" u="none" strike="noStrike" cap="none">
           <a:solidFill>
             <a:srgbClr val="000000"/>
           </a:solidFill>
@@ -4634,7 +4930,7 @@
           <a:sym typeface="Arial"/>
         </a:defRPr>
       </a:lvl7pPr>
-      <a:lvl8pPr lvl="7" marR="0" rtl="0" algn="l">
+      <a:lvl8pPr marR="0" lvl="7" algn="l" rtl="0">
         <a:lnSpc>
           <a:spcPct val="100000"/>
         </a:lnSpc>
@@ -4645,7 +4941,7 @@
           <a:spcPts val="0"/>
         </a:spcAft>
         <a:buNone/>
-        <a:defRPr b="0" i="0" sz="1400" u="none" cap="none" strike="noStrike">
+        <a:defRPr sz="1400" b="0" i="0" u="none" strike="noStrike" cap="none">
           <a:solidFill>
             <a:srgbClr val="000000"/>
           </a:solidFill>
@@ -4655,7 +4951,7 @@
           <a:sym typeface="Arial"/>
         </a:defRPr>
       </a:lvl8pPr>
-      <a:lvl9pPr lvl="8" marR="0" rtl="0" algn="l">
+      <a:lvl9pPr marR="0" lvl="8" algn="l" rtl="0">
         <a:lnSpc>
           <a:spcPct val="100000"/>
         </a:lnSpc>
@@ -4666,7 +4962,7 @@
           <a:spcPts val="0"/>
         </a:spcAft>
         <a:buNone/>
-        <a:defRPr b="0" i="0" sz="1400" u="none" cap="none" strike="noStrike">
+        <a:defRPr sz="1400" b="0" i="0" u="none" strike="noStrike" cap="none">
           <a:solidFill>
             <a:srgbClr val="000000"/>
           </a:solidFill>
@@ -4678,7 +4974,7 @@
       </a:lvl9pPr>
     </p:bodyStyle>
     <p:otherStyle>
-      <a:defPPr lvl="0" marR="0" rtl="0" algn="l">
+      <a:defPPr marR="0" lvl="0" algn="l" rtl="0">
         <a:lnSpc>
           <a:spcPct val="100000"/>
         </a:lnSpc>
@@ -4689,7 +4985,7 @@
           <a:spcPts val="0"/>
         </a:spcAft>
       </a:defPPr>
-      <a:lvl1pPr lvl="0" marR="0" rtl="0" algn="l">
+      <a:lvl1pPr marR="0" lvl="0" algn="l" rtl="0">
         <a:lnSpc>
           <a:spcPct val="100000"/>
         </a:lnSpc>
@@ -4700,7 +4996,7 @@
           <a:spcPts val="0"/>
         </a:spcAft>
         <a:buNone/>
-        <a:defRPr b="0" i="0" sz="1400" u="none" cap="none" strike="noStrike">
+        <a:defRPr sz="1400" b="0" i="0" u="none" strike="noStrike" cap="none">
           <a:solidFill>
             <a:srgbClr val="000000"/>
           </a:solidFill>
@@ -4710,7 +5006,7 @@
           <a:sym typeface="Arial"/>
         </a:defRPr>
       </a:lvl1pPr>
-      <a:lvl2pPr lvl="1" marR="0" rtl="0" algn="l">
+      <a:lvl2pPr marR="0" lvl="1" algn="l" rtl="0">
         <a:lnSpc>
           <a:spcPct val="100000"/>
         </a:lnSpc>
@@ -4721,7 +5017,7 @@
           <a:spcPts val="0"/>
         </a:spcAft>
         <a:buNone/>
-        <a:defRPr b="0" i="0" sz="1400" u="none" cap="none" strike="noStrike">
+        <a:defRPr sz="1400" b="0" i="0" u="none" strike="noStrike" cap="none">
           <a:solidFill>
             <a:srgbClr val="000000"/>
           </a:solidFill>
@@ -4731,7 +5027,7 @@
           <a:sym typeface="Arial"/>
         </a:defRPr>
       </a:lvl2pPr>
-      <a:lvl3pPr lvl="2" marR="0" rtl="0" algn="l">
+      <a:lvl3pPr marR="0" lvl="2" algn="l" rtl="0">
         <a:lnSpc>
           <a:spcPct val="100000"/>
         </a:lnSpc>
@@ -4742,7 +5038,7 @@
           <a:spcPts val="0"/>
         </a:spcAft>
         <a:buNone/>
-        <a:defRPr b="0" i="0" sz="1400" u="none" cap="none" strike="noStrike">
+        <a:defRPr sz="1400" b="0" i="0" u="none" strike="noStrike" cap="none">
           <a:solidFill>
             <a:srgbClr val="000000"/>
           </a:solidFill>
@@ -4752,7 +5048,7 @@
           <a:sym typeface="Arial"/>
         </a:defRPr>
       </a:lvl3pPr>
-      <a:lvl4pPr lvl="3" marR="0" rtl="0" algn="l">
+      <a:lvl4pPr marR="0" lvl="3" algn="l" rtl="0">
         <a:lnSpc>
           <a:spcPct val="100000"/>
         </a:lnSpc>
@@ -4763,7 +5059,7 @@
           <a:spcPts val="0"/>
         </a:spcAft>
         <a:buNone/>
-        <a:defRPr b="0" i="0" sz="1400" u="none" cap="none" strike="noStrike">
+        <a:defRPr sz="1400" b="0" i="0" u="none" strike="noStrike" cap="none">
           <a:solidFill>
             <a:srgbClr val="000000"/>
           </a:solidFill>
@@ -4773,7 +5069,7 @@
           <a:sym typeface="Arial"/>
         </a:defRPr>
       </a:lvl4pPr>
-      <a:lvl5pPr lvl="4" marR="0" rtl="0" algn="l">
+      <a:lvl5pPr marR="0" lvl="4" algn="l" rtl="0">
         <a:lnSpc>
           <a:spcPct val="100000"/>
         </a:lnSpc>
@@ -4784,7 +5080,7 @@
           <a:spcPts val="0"/>
         </a:spcAft>
         <a:buNone/>
-        <a:defRPr b="0" i="0" sz="1400" u="none" cap="none" strike="noStrike">
+        <a:defRPr sz="1400" b="0" i="0" u="none" strike="noStrike" cap="none">
           <a:solidFill>
             <a:srgbClr val="000000"/>
           </a:solidFill>
@@ -4794,7 +5090,7 @@
           <a:sym typeface="Arial"/>
         </a:defRPr>
       </a:lvl5pPr>
-      <a:lvl6pPr lvl="5" marR="0" rtl="0" algn="l">
+      <a:lvl6pPr marR="0" lvl="5" algn="l" rtl="0">
         <a:lnSpc>
           <a:spcPct val="100000"/>
         </a:lnSpc>
@@ -4805,7 +5101,7 @@
           <a:spcPts val="0"/>
         </a:spcAft>
         <a:buNone/>
-        <a:defRPr b="0" i="0" sz="1400" u="none" cap="none" strike="noStrike">
+        <a:defRPr sz="1400" b="0" i="0" u="none" strike="noStrike" cap="none">
           <a:solidFill>
             <a:srgbClr val="000000"/>
           </a:solidFill>
@@ -4815,7 +5111,7 @@
           <a:sym typeface="Arial"/>
         </a:defRPr>
       </a:lvl6pPr>
-      <a:lvl7pPr lvl="6" marR="0" rtl="0" algn="l">
+      <a:lvl7pPr marR="0" lvl="6" algn="l" rtl="0">
         <a:lnSpc>
           <a:spcPct val="100000"/>
         </a:lnSpc>
@@ -4826,7 +5122,7 @@
           <a:spcPts val="0"/>
         </a:spcAft>
         <a:buNone/>
-        <a:defRPr b="0" i="0" sz="1400" u="none" cap="none" strike="noStrike">
+        <a:defRPr sz="1400" b="0" i="0" u="none" strike="noStrike" cap="none">
           <a:solidFill>
             <a:srgbClr val="000000"/>
           </a:solidFill>
@@ -4836,7 +5132,7 @@
           <a:sym typeface="Arial"/>
         </a:defRPr>
       </a:lvl7pPr>
-      <a:lvl8pPr lvl="7" marR="0" rtl="0" algn="l">
+      <a:lvl8pPr marR="0" lvl="7" algn="l" rtl="0">
         <a:lnSpc>
           <a:spcPct val="100000"/>
         </a:lnSpc>
@@ -4847,7 +5143,7 @@
           <a:spcPts val="0"/>
         </a:spcAft>
         <a:buNone/>
-        <a:defRPr b="0" i="0" sz="1400" u="none" cap="none" strike="noStrike">
+        <a:defRPr sz="1400" b="0" i="0" u="none" strike="noStrike" cap="none">
           <a:solidFill>
             <a:srgbClr val="000000"/>
           </a:solidFill>
@@ -4857,7 +5153,7 @@
           <a:sym typeface="Arial"/>
         </a:defRPr>
       </a:lvl8pPr>
-      <a:lvl9pPr lvl="8" marR="0" rtl="0" algn="l">
+      <a:lvl9pPr marR="0" lvl="8" algn="l" rtl="0">
         <a:lnSpc>
           <a:spcPct val="100000"/>
         </a:lnSpc>
@@ -4868,7 +5164,7 @@
           <a:spcPts val="0"/>
         </a:spcAft>
         <a:buNone/>
-        <a:defRPr b="0" i="0" sz="1400" u="none" cap="none" strike="noStrike">
+        <a:defRPr sz="1400" b="0" i="0" u="none" strike="noStrike" cap="none">
           <a:solidFill>
             <a:srgbClr val="000000"/>
           </a:solidFill>
@@ -4884,11 +5180,11 @@
 </file>
 
 <file path=ppt/slides/slide1.xml><?xml version="1.0" encoding="utf-8"?>
-<p:sld xmlns:a="http://schemas.openxmlformats.org/drawingml/2006/main" xmlns:r="http://schemas.openxmlformats.org/officeDocument/2006/relationships" xmlns:mc="http://schemas.openxmlformats.org/markup-compatibility/2006" xmlns:mv="urn:schemas-microsoft-com:mac:vml" xmlns:p="http://schemas.openxmlformats.org/presentationml/2006/main" xmlns:c="http://schemas.openxmlformats.org/drawingml/2006/chart" xmlns:dgm="http://schemas.openxmlformats.org/drawingml/2006/diagram" xmlns:o="urn:schemas-microsoft-com:office:office" xmlns:v="urn:schemas-microsoft-com:vml" xmlns:pvml="urn:schemas-microsoft-com:office:powerpoint" xmlns:com="http://schemas.openxmlformats.org/drawingml/2006/compatibility" xmlns:p14="http://schemas.microsoft.com/office/powerpoint/2010/main">
+<p:sld xmlns:a="http://schemas.openxmlformats.org/drawingml/2006/main" xmlns:r="http://schemas.openxmlformats.org/officeDocument/2006/relationships" xmlns:p="http://schemas.openxmlformats.org/presentationml/2006/main">
   <p:cSld>
     <p:spTree>
       <p:nvGrpSpPr>
-        <p:cNvPr id="55" name="Shape 55"/>
+        <p:cNvPr id="1" name="Shape 55"/>
         <p:cNvGrpSpPr/>
         <p:nvPr/>
       </p:nvGrpSpPr>
@@ -4903,7 +5199,9 @@
       <p:sp>
         <p:nvSpPr>
           <p:cNvPr id="56" name="Shape 56"/>
-          <p:cNvSpPr txBox="1"/>
+          <p:cNvSpPr txBox="1">
+            <a:spLocks noGrp="1"/>
+          </p:cNvSpPr>
           <p:nvPr>
             <p:ph type="ctrTitle"/>
           </p:nvPr>
@@ -4918,7 +5216,7 @@
           </a:prstGeom>
         </p:spPr>
         <p:txBody>
-          <a:bodyPr anchorCtr="0" anchor="ctr" bIns="91425" lIns="91425" rIns="91425" tIns="91425">
+          <a:bodyPr lIns="91425" tIns="91425" rIns="91425" bIns="91425" anchor="ctr" anchorCtr="0">
             <a:noAutofit/>
           </a:bodyPr>
           <a:lstStyle/>
@@ -4930,7 +5228,7 @@
               <a:buNone/>
             </a:pPr>
             <a:r>
-              <a:rPr b="0" lang="en" sz="7200">
+              <a:rPr lang="en" sz="7200" b="0">
                 <a:solidFill>
                   <a:srgbClr val="000000"/>
                 </a:solidFill>
@@ -4954,7 +5252,7 @@
               <a:buNone/>
             </a:pPr>
             <a:r>
-              <a:rPr b="0" lang="en" sz="4800">
+              <a:rPr lang="en" sz="4800" b="0">
                 <a:solidFill>
                   <a:srgbClr val="000000"/>
                 </a:solidFill>
@@ -4962,7 +5260,7 @@
               <a:t> (</a:t>
             </a:r>
             <a:r>
-              <a:rPr b="0" i="1" lang="en" sz="4800">
+              <a:rPr lang="en" sz="4800" b="0" i="1">
                 <a:solidFill>
                   <a:srgbClr val="000000"/>
                 </a:solidFill>
@@ -4970,7 +5268,7 @@
               <a:t>Extraterrestrial Kidnapping of the 4th Kind</a:t>
             </a:r>
             <a:r>
-              <a:rPr b="0" lang="en" sz="4800">
+              <a:rPr lang="en" sz="4800" b="0">
                 <a:solidFill>
                   <a:srgbClr val="000000"/>
                 </a:solidFill>
@@ -4983,9 +5281,11 @@
       <p:sp>
         <p:nvSpPr>
           <p:cNvPr id="57" name="Shape 57"/>
-          <p:cNvSpPr txBox="1"/>
+          <p:cNvSpPr txBox="1">
+            <a:spLocks noGrp="1"/>
+          </p:cNvSpPr>
           <p:nvPr>
-            <p:ph idx="1" type="subTitle"/>
+            <p:ph type="subTitle" idx="1"/>
           </p:nvPr>
         </p:nvSpPr>
         <p:spPr>
@@ -4998,7 +5298,7 @@
           </a:prstGeom>
         </p:spPr>
         <p:txBody>
-          <a:bodyPr anchorCtr="0" anchor="ctr" bIns="91425" lIns="91425" rIns="91425" tIns="91425">
+          <a:bodyPr lIns="91425" tIns="91425" rIns="91425" bIns="91425" anchor="ctr" anchorCtr="0">
             <a:noAutofit/>
           </a:bodyPr>
           <a:lstStyle/>
@@ -5033,18 +5333,18 @@
   <p:clrMapOvr>
     <a:masterClrMapping/>
   </p:clrMapOvr>
-  <p:transition spd="slow">
+  <p:transition xmlns:p14="http://schemas.microsoft.com/office/powerpoint/2010/main" spd="slow">
     <p:cut/>
   </p:transition>
 </p:sld>
 </file>
 
 <file path=ppt/slides/slide2.xml><?xml version="1.0" encoding="utf-8"?>
-<p:sld xmlns:a="http://schemas.openxmlformats.org/drawingml/2006/main" xmlns:r="http://schemas.openxmlformats.org/officeDocument/2006/relationships" xmlns:mc="http://schemas.openxmlformats.org/markup-compatibility/2006" xmlns:mv="urn:schemas-microsoft-com:mac:vml" xmlns:p="http://schemas.openxmlformats.org/presentationml/2006/main" xmlns:c="http://schemas.openxmlformats.org/drawingml/2006/chart" xmlns:dgm="http://schemas.openxmlformats.org/drawingml/2006/diagram" xmlns:o="urn:schemas-microsoft-com:office:office" xmlns:v="urn:schemas-microsoft-com:vml" xmlns:pvml="urn:schemas-microsoft-com:office:powerpoint" xmlns:com="http://schemas.openxmlformats.org/drawingml/2006/compatibility" xmlns:p14="http://schemas.microsoft.com/office/powerpoint/2010/main">
+<p:sld xmlns:a="http://schemas.openxmlformats.org/drawingml/2006/main" xmlns:r="http://schemas.openxmlformats.org/officeDocument/2006/relationships" xmlns:p="http://schemas.openxmlformats.org/presentationml/2006/main">
   <p:cSld>
     <p:spTree>
       <p:nvGrpSpPr>
-        <p:cNvPr id="61" name="Shape 61"/>
+        <p:cNvPr id="1" name="Shape 61"/>
         <p:cNvGrpSpPr/>
         <p:nvPr/>
       </p:nvGrpSpPr>
@@ -5104,7 +5404,7 @@
           </a:ln>
         </p:spPr>
         <p:txBody>
-          <a:bodyPr anchorCtr="0" anchor="t" bIns="91425" lIns="91425" rIns="91425" tIns="91425">
+          <a:bodyPr lIns="91425" tIns="91425" rIns="91425" bIns="91425" anchor="t" anchorCtr="0">
             <a:noAutofit/>
           </a:bodyPr>
           <a:lstStyle/>
@@ -5132,18 +5432,18 @@
   <p:clrMapOvr>
     <a:masterClrMapping/>
   </p:clrMapOvr>
-  <p:transition spd="slow">
+  <p:transition xmlns:p14="http://schemas.microsoft.com/office/powerpoint/2010/main" spd="slow">
     <p:cut/>
   </p:transition>
 </p:sld>
 </file>
 
 <file path=ppt/slides/slide3.xml><?xml version="1.0" encoding="utf-8"?>
-<p:sld xmlns:a="http://schemas.openxmlformats.org/drawingml/2006/main" xmlns:r="http://schemas.openxmlformats.org/officeDocument/2006/relationships" xmlns:mc="http://schemas.openxmlformats.org/markup-compatibility/2006" xmlns:mv="urn:schemas-microsoft-com:mac:vml" xmlns:p="http://schemas.openxmlformats.org/presentationml/2006/main" xmlns:c="http://schemas.openxmlformats.org/drawingml/2006/chart" xmlns:dgm="http://schemas.openxmlformats.org/drawingml/2006/diagram" xmlns:o="urn:schemas-microsoft-com:office:office" xmlns:v="urn:schemas-microsoft-com:vml" xmlns:pvml="urn:schemas-microsoft-com:office:powerpoint" xmlns:com="http://schemas.openxmlformats.org/drawingml/2006/compatibility" xmlns:p14="http://schemas.microsoft.com/office/powerpoint/2010/main">
+<p:sld xmlns:a="http://schemas.openxmlformats.org/drawingml/2006/main" xmlns:r="http://schemas.openxmlformats.org/officeDocument/2006/relationships" xmlns:p="http://schemas.openxmlformats.org/presentationml/2006/main">
   <p:cSld>
     <p:spTree>
       <p:nvGrpSpPr>
-        <p:cNvPr id="67" name="Shape 67"/>
+        <p:cNvPr id="1" name="Shape 67"/>
         <p:cNvGrpSpPr/>
         <p:nvPr/>
       </p:nvGrpSpPr>
@@ -5158,7 +5458,9 @@
       <p:sp>
         <p:nvSpPr>
           <p:cNvPr id="68" name="Shape 68"/>
-          <p:cNvSpPr txBox="1"/>
+          <p:cNvSpPr txBox="1">
+            <a:spLocks noGrp="1"/>
+          </p:cNvSpPr>
           <p:nvPr>
             <p:ph type="title"/>
           </p:nvPr>
@@ -5173,7 +5475,7 @@
           </a:prstGeom>
         </p:spPr>
         <p:txBody>
-          <a:bodyPr anchorCtr="0" anchor="t" bIns="91425" lIns="91425" rIns="91425" tIns="91425">
+          <a:bodyPr lIns="91425" tIns="91425" rIns="91425" bIns="91425" anchor="t" anchorCtr="0">
             <a:noAutofit/>
           </a:bodyPr>
           <a:lstStyle/>
@@ -5185,18 +5487,45 @@
               <a:buNone/>
             </a:pPr>
             <a:r>
-              <a:rPr lang="en"/>
-              <a:t>JAva vs. HAskell</a:t>
+              <a:rPr lang="en" dirty="0" smtClean="0"/>
+              <a:t>J</a:t>
             </a:r>
+            <a:r>
+              <a:rPr lang="en-US" dirty="0" smtClean="0"/>
+              <a:t>a</a:t>
+            </a:r>
+            <a:r>
+              <a:rPr lang="en" dirty="0" smtClean="0"/>
+              <a:t>va </a:t>
+            </a:r>
+            <a:r>
+              <a:rPr lang="en" dirty="0"/>
+              <a:t>vs. </a:t>
+            </a:r>
+            <a:r>
+              <a:rPr lang="en" dirty="0" smtClean="0"/>
+              <a:t>H</a:t>
+            </a:r>
+            <a:r>
+              <a:rPr lang="en-US" dirty="0" smtClean="0"/>
+              <a:t>a</a:t>
+            </a:r>
+            <a:r>
+              <a:rPr lang="en" dirty="0" smtClean="0"/>
+              <a:t>skell</a:t>
+            </a:r>
+            <a:endParaRPr lang="en" dirty="0"/>
           </a:p>
         </p:txBody>
       </p:sp>
       <p:sp>
         <p:nvSpPr>
           <p:cNvPr id="69" name="Shape 69"/>
-          <p:cNvSpPr txBox="1"/>
+          <p:cNvSpPr txBox="1">
+            <a:spLocks noGrp="1"/>
+          </p:cNvSpPr>
           <p:nvPr>
-            <p:ph idx="1" type="body"/>
+            <p:ph type="body" idx="1"/>
           </p:nvPr>
         </p:nvSpPr>
         <p:spPr>
@@ -5209,12 +5538,12 @@
           </a:prstGeom>
         </p:spPr>
         <p:txBody>
-          <a:bodyPr anchorCtr="0" anchor="t" bIns="91425" lIns="91425" rIns="91425" tIns="91425">
+          <a:bodyPr lIns="91425" tIns="91425" rIns="91425" bIns="91425" anchor="t" anchorCtr="0">
             <a:noAutofit/>
           </a:bodyPr>
           <a:lstStyle/>
           <a:p>
-            <a:pPr indent="-228600" lvl="0" marL="457200" rtl="0">
+            <a:pPr marL="457200" lvl="0" indent="-228600" rtl="0">
               <a:spcBef>
                 <a:spcPts val="0"/>
               </a:spcBef>
@@ -5226,7 +5555,7 @@
             </a:r>
           </a:p>
           <a:p>
-            <a:pPr indent="-228600" lvl="0" marL="457200" rtl="0">
+            <a:pPr marL="457200" lvl="0" indent="-228600" rtl="0">
               <a:spcBef>
                 <a:spcPts val="0"/>
               </a:spcBef>
@@ -5238,7 +5567,7 @@
             </a:r>
           </a:p>
           <a:p>
-            <a:pPr indent="-228600" lvl="0" marL="457200" rtl="0">
+            <a:pPr marL="457200" lvl="0" indent="-228600" rtl="0">
               <a:spcBef>
                 <a:spcPts val="0"/>
               </a:spcBef>
@@ -5256,18 +5585,18 @@
   <p:clrMapOvr>
     <a:masterClrMapping/>
   </p:clrMapOvr>
-  <p:transition spd="slow">
+  <p:transition xmlns:p14="http://schemas.microsoft.com/office/powerpoint/2010/main" spd="slow">
     <p:cut/>
   </p:transition>
 </p:sld>
 </file>
 
 <file path=ppt/slides/slide4.xml><?xml version="1.0" encoding="utf-8"?>
-<p:sld xmlns:a="http://schemas.openxmlformats.org/drawingml/2006/main" xmlns:r="http://schemas.openxmlformats.org/officeDocument/2006/relationships" xmlns:mc="http://schemas.openxmlformats.org/markup-compatibility/2006" xmlns:mv="urn:schemas-microsoft-com:mac:vml" xmlns:p="http://schemas.openxmlformats.org/presentationml/2006/main" xmlns:c="http://schemas.openxmlformats.org/drawingml/2006/chart" xmlns:dgm="http://schemas.openxmlformats.org/drawingml/2006/diagram" xmlns:o="urn:schemas-microsoft-com:office:office" xmlns:v="urn:schemas-microsoft-com:vml" xmlns:pvml="urn:schemas-microsoft-com:office:powerpoint" xmlns:com="http://schemas.openxmlformats.org/drawingml/2006/compatibility" xmlns:p14="http://schemas.microsoft.com/office/powerpoint/2010/main">
+<p:sld xmlns:a="http://schemas.openxmlformats.org/drawingml/2006/main" xmlns:r="http://schemas.openxmlformats.org/officeDocument/2006/relationships" xmlns:p="http://schemas.openxmlformats.org/presentationml/2006/main">
   <p:cSld>
     <p:spTree>
       <p:nvGrpSpPr>
-        <p:cNvPr id="73" name="Shape 73"/>
+        <p:cNvPr id="1" name="Shape 73"/>
         <p:cNvGrpSpPr/>
         <p:nvPr/>
       </p:nvGrpSpPr>
@@ -5282,7 +5611,9 @@
       <p:sp>
         <p:nvSpPr>
           <p:cNvPr id="74" name="Shape 74"/>
-          <p:cNvSpPr txBox="1"/>
+          <p:cNvSpPr txBox="1">
+            <a:spLocks noGrp="1"/>
+          </p:cNvSpPr>
           <p:nvPr>
             <p:ph type="title"/>
           </p:nvPr>
@@ -5297,7 +5628,7 @@
           </a:prstGeom>
         </p:spPr>
         <p:txBody>
-          <a:bodyPr anchorCtr="0" anchor="t" bIns="91425" lIns="91425" rIns="91425" tIns="91425">
+          <a:bodyPr lIns="91425" tIns="91425" rIns="91425" bIns="91425" anchor="t" anchorCtr="0">
             <a:noAutofit/>
           </a:bodyPr>
           <a:lstStyle/>
@@ -5309,8 +5640,20 @@
               <a:buNone/>
             </a:pPr>
             <a:r>
-              <a:rPr lang="en"/>
-              <a:t>JAva review</a:t>
+              <a:rPr lang="en" dirty="0" smtClean="0"/>
+              <a:t>J</a:t>
+            </a:r>
+            <a:r>
+              <a:rPr lang="en-US" dirty="0" smtClean="0"/>
+              <a:t>a</a:t>
+            </a:r>
+            <a:r>
+              <a:rPr lang="en" dirty="0" smtClean="0"/>
+              <a:t>va </a:t>
+            </a:r>
+            <a:r>
+              <a:rPr lang="en" dirty="0"/>
+              <a:t>review</a:t>
             </a:r>
           </a:p>
         </p:txBody>
@@ -5318,9 +5661,11 @@
       <p:sp>
         <p:nvSpPr>
           <p:cNvPr id="75" name="Shape 75"/>
-          <p:cNvSpPr txBox="1"/>
+          <p:cNvSpPr txBox="1">
+            <a:spLocks noGrp="1"/>
+          </p:cNvSpPr>
           <p:nvPr>
-            <p:ph idx="1" type="body"/>
+            <p:ph type="body" idx="1"/>
           </p:nvPr>
         </p:nvSpPr>
         <p:spPr>
@@ -5333,12 +5678,12 @@
           </a:prstGeom>
         </p:spPr>
         <p:txBody>
-          <a:bodyPr anchorCtr="0" anchor="t" bIns="91425" lIns="91425" rIns="91425" tIns="91425">
+          <a:bodyPr lIns="91425" tIns="91425" rIns="91425" bIns="91425" anchor="t" anchorCtr="0">
             <a:noAutofit/>
           </a:bodyPr>
           <a:lstStyle/>
           <a:p>
-            <a:pPr indent="-228600" lvl="0" marL="457200" rtl="0">
+            <a:pPr marL="457200" lvl="0" indent="-228600" rtl="0">
               <a:spcBef>
                 <a:spcPts val="0"/>
               </a:spcBef>
@@ -5350,7 +5695,7 @@
             </a:r>
           </a:p>
           <a:p>
-            <a:pPr indent="-228600" lvl="0" marL="457200" rtl="0">
+            <a:pPr marL="457200" lvl="0" indent="-228600" rtl="0">
               <a:spcBef>
                 <a:spcPts val="0"/>
               </a:spcBef>
@@ -5362,7 +5707,7 @@
             </a:r>
           </a:p>
           <a:p>
-            <a:pPr indent="-228600" lvl="0" marL="457200" rtl="0">
+            <a:pPr marL="457200" lvl="0" indent="-228600" rtl="0">
               <a:spcBef>
                 <a:spcPts val="0"/>
               </a:spcBef>
@@ -5408,18 +5753,18 @@
   <p:clrMapOvr>
     <a:masterClrMapping/>
   </p:clrMapOvr>
-  <p:transition spd="slow">
+  <p:transition xmlns:p14="http://schemas.microsoft.com/office/powerpoint/2010/main" spd="slow">
     <p:cut/>
   </p:transition>
 </p:sld>
 </file>
 
 <file path=ppt/slides/slide5.xml><?xml version="1.0" encoding="utf-8"?>
-<p:sld xmlns:a="http://schemas.openxmlformats.org/drawingml/2006/main" xmlns:r="http://schemas.openxmlformats.org/officeDocument/2006/relationships" xmlns:mc="http://schemas.openxmlformats.org/markup-compatibility/2006" xmlns:mv="urn:schemas-microsoft-com:mac:vml" xmlns:p="http://schemas.openxmlformats.org/presentationml/2006/main" xmlns:c="http://schemas.openxmlformats.org/drawingml/2006/chart" xmlns:dgm="http://schemas.openxmlformats.org/drawingml/2006/diagram" xmlns:o="urn:schemas-microsoft-com:office:office" xmlns:v="urn:schemas-microsoft-com:vml" xmlns:pvml="urn:schemas-microsoft-com:office:powerpoint" xmlns:com="http://schemas.openxmlformats.org/drawingml/2006/compatibility" xmlns:p14="http://schemas.microsoft.com/office/powerpoint/2010/main">
+<p:sld xmlns:a="http://schemas.openxmlformats.org/drawingml/2006/main" xmlns:r="http://schemas.openxmlformats.org/officeDocument/2006/relationships" xmlns:p="http://schemas.openxmlformats.org/presentationml/2006/main">
   <p:cSld>
     <p:spTree>
       <p:nvGrpSpPr>
-        <p:cNvPr id="80" name="Shape 80"/>
+        <p:cNvPr id="1" name="Shape 80"/>
         <p:cNvGrpSpPr/>
         <p:nvPr/>
       </p:nvGrpSpPr>
@@ -5434,7 +5779,9 @@
       <p:sp>
         <p:nvSpPr>
           <p:cNvPr id="81" name="Shape 81"/>
-          <p:cNvSpPr txBox="1"/>
+          <p:cNvSpPr txBox="1">
+            <a:spLocks noGrp="1"/>
+          </p:cNvSpPr>
           <p:nvPr>
             <p:ph type="title"/>
           </p:nvPr>
@@ -5449,7 +5796,7 @@
           </a:prstGeom>
         </p:spPr>
         <p:txBody>
-          <a:bodyPr anchorCtr="0" anchor="t" bIns="91425" lIns="91425" rIns="91425" tIns="91425">
+          <a:bodyPr lIns="91425" tIns="91425" rIns="91425" bIns="91425" anchor="t" anchorCtr="0">
             <a:noAutofit/>
           </a:bodyPr>
           <a:lstStyle/>
@@ -5461,8 +5808,20 @@
               <a:buNone/>
             </a:pPr>
             <a:r>
-              <a:rPr lang="en"/>
-              <a:t>HAskell review</a:t>
+              <a:rPr lang="en" dirty="0" smtClean="0"/>
+              <a:t>H</a:t>
+            </a:r>
+            <a:r>
+              <a:rPr lang="en-US" dirty="0" smtClean="0"/>
+              <a:t>a</a:t>
+            </a:r>
+            <a:r>
+              <a:rPr lang="en" dirty="0" smtClean="0"/>
+              <a:t>skell </a:t>
+            </a:r>
+            <a:r>
+              <a:rPr lang="en" dirty="0"/>
+              <a:t>review</a:t>
             </a:r>
           </a:p>
         </p:txBody>
@@ -5470,9 +5829,11 @@
       <p:sp>
         <p:nvSpPr>
           <p:cNvPr id="82" name="Shape 82"/>
-          <p:cNvSpPr txBox="1"/>
+          <p:cNvSpPr txBox="1">
+            <a:spLocks noGrp="1"/>
+          </p:cNvSpPr>
           <p:nvPr>
-            <p:ph idx="1" type="body"/>
+            <p:ph type="body" idx="1"/>
           </p:nvPr>
         </p:nvSpPr>
         <p:spPr>
@@ -5485,12 +5846,12 @@
           </a:prstGeom>
         </p:spPr>
         <p:txBody>
-          <a:bodyPr anchorCtr="0" anchor="t" bIns="91425" lIns="91425" rIns="91425" tIns="91425">
+          <a:bodyPr lIns="91425" tIns="91425" rIns="91425" bIns="91425" anchor="t" anchorCtr="0">
             <a:noAutofit/>
           </a:bodyPr>
           <a:lstStyle/>
           <a:p>
-            <a:pPr indent="-228600" lvl="0" marL="457200" rtl="0">
+            <a:pPr marL="457200" lvl="0" indent="-228600" rtl="0">
               <a:spcBef>
                 <a:spcPts val="0"/>
               </a:spcBef>
@@ -5502,7 +5863,7 @@
             </a:r>
           </a:p>
           <a:p>
-            <a:pPr indent="-228600" lvl="0" marL="457200" rtl="0">
+            <a:pPr marL="457200" lvl="0" indent="-228600" rtl="0">
               <a:spcBef>
                 <a:spcPts val="0"/>
               </a:spcBef>
@@ -5514,7 +5875,7 @@
             </a:r>
           </a:p>
           <a:p>
-            <a:pPr indent="-228600" lvl="0" marL="457200" rtl="0">
+            <a:pPr marL="457200" lvl="0" indent="-228600" rtl="0">
               <a:spcBef>
                 <a:spcPts val="0"/>
               </a:spcBef>
@@ -5526,7 +5887,7 @@
             </a:r>
           </a:p>
           <a:p>
-            <a:pPr indent="-228600" lvl="0" marL="457200">
+            <a:pPr marL="457200" lvl="0" indent="-228600">
               <a:spcBef>
                 <a:spcPts val="0"/>
               </a:spcBef>
@@ -5572,18 +5933,18 @@
   <p:clrMapOvr>
     <a:masterClrMapping/>
   </p:clrMapOvr>
-  <p:transition spd="slow">
+  <p:transition xmlns:p14="http://schemas.microsoft.com/office/powerpoint/2010/main" spd="slow">
     <p:cut/>
   </p:transition>
 </p:sld>
 </file>
 
 <file path=ppt/slides/slide6.xml><?xml version="1.0" encoding="utf-8"?>
-<p:sld xmlns:a="http://schemas.openxmlformats.org/drawingml/2006/main" xmlns:r="http://schemas.openxmlformats.org/officeDocument/2006/relationships" xmlns:mc="http://schemas.openxmlformats.org/markup-compatibility/2006" xmlns:mv="urn:schemas-microsoft-com:mac:vml" xmlns:p="http://schemas.openxmlformats.org/presentationml/2006/main" xmlns:c="http://schemas.openxmlformats.org/drawingml/2006/chart" xmlns:dgm="http://schemas.openxmlformats.org/drawingml/2006/diagram" xmlns:o="urn:schemas-microsoft-com:office:office" xmlns:v="urn:schemas-microsoft-com:vml" xmlns:pvml="urn:schemas-microsoft-com:office:powerpoint" xmlns:com="http://schemas.openxmlformats.org/drawingml/2006/compatibility" xmlns:p14="http://schemas.microsoft.com/office/powerpoint/2010/main">
+<p:sld xmlns:a="http://schemas.openxmlformats.org/drawingml/2006/main" xmlns:r="http://schemas.openxmlformats.org/officeDocument/2006/relationships" xmlns:p="http://schemas.openxmlformats.org/presentationml/2006/main">
   <p:cSld>
     <p:spTree>
       <p:nvGrpSpPr>
-        <p:cNvPr id="87" name="Shape 87"/>
+        <p:cNvPr id="1" name="Shape 87"/>
         <p:cNvGrpSpPr/>
         <p:nvPr/>
       </p:nvGrpSpPr>
@@ -5598,7 +5959,9 @@
       <p:sp>
         <p:nvSpPr>
           <p:cNvPr id="88" name="Shape 88"/>
-          <p:cNvSpPr txBox="1"/>
+          <p:cNvSpPr txBox="1">
+            <a:spLocks noGrp="1"/>
+          </p:cNvSpPr>
           <p:nvPr>
             <p:ph type="title"/>
           </p:nvPr>
@@ -5613,7 +5976,7 @@
           </a:prstGeom>
         </p:spPr>
         <p:txBody>
-          <a:bodyPr anchorCtr="0" anchor="t" bIns="91425" lIns="91425" rIns="91425" tIns="91425">
+          <a:bodyPr lIns="91425" tIns="91425" rIns="91425" bIns="91425" anchor="t" anchorCtr="0">
             <a:noAutofit/>
           </a:bodyPr>
           <a:lstStyle/>
@@ -5634,9 +5997,11 @@
       <p:sp>
         <p:nvSpPr>
           <p:cNvPr id="89" name="Shape 89"/>
-          <p:cNvSpPr txBox="1"/>
+          <p:cNvSpPr txBox="1">
+            <a:spLocks noGrp="1"/>
+          </p:cNvSpPr>
           <p:nvPr>
-            <p:ph idx="1" type="body"/>
+            <p:ph type="body" idx="1"/>
           </p:nvPr>
         </p:nvSpPr>
         <p:spPr>
@@ -5649,12 +6014,12 @@
           </a:prstGeom>
         </p:spPr>
         <p:txBody>
-          <a:bodyPr anchorCtr="0" anchor="t" bIns="91425" lIns="91425" rIns="91425" tIns="91425">
+          <a:bodyPr lIns="91425" tIns="91425" rIns="91425" bIns="91425" anchor="t" anchorCtr="0">
             <a:noAutofit/>
           </a:bodyPr>
           <a:lstStyle/>
           <a:p>
-            <a:pPr indent="-228600" lvl="0" marL="457200" rtl="0">
+            <a:pPr marL="457200" lvl="0" indent="-228600" rtl="0">
               <a:spcBef>
                 <a:spcPts val="0"/>
               </a:spcBef>
@@ -5666,7 +6031,7 @@
             </a:r>
           </a:p>
           <a:p>
-            <a:pPr indent="-228600" lvl="0" marL="457200" rtl="0">
+            <a:pPr marL="457200" lvl="0" indent="-228600" rtl="0">
               <a:spcBef>
                 <a:spcPts val="0"/>
               </a:spcBef>
@@ -5678,7 +6043,7 @@
             </a:r>
           </a:p>
           <a:p>
-            <a:pPr indent="-228600" lvl="0" marL="457200" rtl="0">
+            <a:pPr marL="457200" lvl="0" indent="-228600" rtl="0">
               <a:spcBef>
                 <a:spcPts val="0"/>
               </a:spcBef>
@@ -5696,9 +6061,6 @@
               </a:spcBef>
               <a:buNone/>
             </a:pPr>
-            <a:r>
-              <a:t/>
-            </a:r>
             <a:endParaRPr/>
           </a:p>
         </p:txBody>
@@ -5708,18 +6070,18 @@
   <p:clrMapOvr>
     <a:masterClrMapping/>
   </p:clrMapOvr>
-  <p:transition spd="slow">
+  <p:transition xmlns:p14="http://schemas.microsoft.com/office/powerpoint/2010/main" spd="slow">
     <p:cut/>
   </p:transition>
 </p:sld>
 </file>
 
 <file path=ppt/slides/slide7.xml><?xml version="1.0" encoding="utf-8"?>
-<p:sld xmlns:a="http://schemas.openxmlformats.org/drawingml/2006/main" xmlns:r="http://schemas.openxmlformats.org/officeDocument/2006/relationships" xmlns:mc="http://schemas.openxmlformats.org/markup-compatibility/2006" xmlns:mv="urn:schemas-microsoft-com:mac:vml" xmlns:p="http://schemas.openxmlformats.org/presentationml/2006/main" xmlns:c="http://schemas.openxmlformats.org/drawingml/2006/chart" xmlns:dgm="http://schemas.openxmlformats.org/drawingml/2006/diagram" xmlns:o="urn:schemas-microsoft-com:office:office" xmlns:v="urn:schemas-microsoft-com:vml" xmlns:pvml="urn:schemas-microsoft-com:office:powerpoint" xmlns:com="http://schemas.openxmlformats.org/drawingml/2006/compatibility" xmlns:p14="http://schemas.microsoft.com/office/powerpoint/2010/main">
+<p:sld xmlns:a="http://schemas.openxmlformats.org/drawingml/2006/main" xmlns:r="http://schemas.openxmlformats.org/officeDocument/2006/relationships" xmlns:p="http://schemas.openxmlformats.org/presentationml/2006/main">
   <p:cSld>
     <p:spTree>
       <p:nvGrpSpPr>
-        <p:cNvPr id="93" name="Shape 93"/>
+        <p:cNvPr id="1" name="Shape 93"/>
         <p:cNvGrpSpPr/>
         <p:nvPr/>
       </p:nvGrpSpPr>
@@ -5734,7 +6096,9 @@
       <p:sp>
         <p:nvSpPr>
           <p:cNvPr id="94" name="Shape 94"/>
-          <p:cNvSpPr txBox="1"/>
+          <p:cNvSpPr txBox="1">
+            <a:spLocks noGrp="1"/>
+          </p:cNvSpPr>
           <p:nvPr>
             <p:ph type="title"/>
           </p:nvPr>
@@ -5749,7 +6113,7 @@
           </a:prstGeom>
         </p:spPr>
         <p:txBody>
-          <a:bodyPr anchorCtr="0" anchor="t" bIns="91425" lIns="91425" rIns="91425" tIns="91425">
+          <a:bodyPr lIns="91425" tIns="91425" rIns="91425" bIns="91425" anchor="t" anchorCtr="0">
             <a:noAutofit/>
           </a:bodyPr>
           <a:lstStyle/>
@@ -5770,9 +6134,11 @@
       <p:sp>
         <p:nvSpPr>
           <p:cNvPr id="95" name="Shape 95"/>
-          <p:cNvSpPr txBox="1"/>
+          <p:cNvSpPr txBox="1">
+            <a:spLocks noGrp="1"/>
+          </p:cNvSpPr>
           <p:nvPr>
-            <p:ph idx="1" type="body"/>
+            <p:ph type="body" idx="1"/>
           </p:nvPr>
         </p:nvSpPr>
         <p:spPr>
@@ -5785,12 +6151,12 @@
           </a:prstGeom>
         </p:spPr>
         <p:txBody>
-          <a:bodyPr anchorCtr="0" anchor="t" bIns="91425" lIns="91425" rIns="91425" tIns="91425">
+          <a:bodyPr lIns="91425" tIns="91425" rIns="91425" bIns="91425" anchor="t" anchorCtr="0">
             <a:noAutofit/>
           </a:bodyPr>
           <a:lstStyle/>
           <a:p>
-            <a:pPr indent="-228600" lvl="0" marL="457200" rtl="0">
+            <a:pPr marL="457200" lvl="0" indent="-228600" rtl="0">
               <a:spcBef>
                 <a:spcPts val="0"/>
               </a:spcBef>
@@ -5802,7 +6168,7 @@
             </a:r>
           </a:p>
           <a:p>
-            <a:pPr indent="-228600" lvl="0" marL="457200" rtl="0">
+            <a:pPr marL="457200" lvl="0" indent="-228600" rtl="0">
               <a:spcBef>
                 <a:spcPts val="0"/>
               </a:spcBef>
@@ -5814,7 +6180,7 @@
             </a:r>
           </a:p>
           <a:p>
-            <a:pPr indent="-228600" lvl="1" marL="914400" rtl="0">
+            <a:pPr marL="914400" lvl="1" indent="-228600" rtl="0">
               <a:spcBef>
                 <a:spcPts val="0"/>
               </a:spcBef>
@@ -5826,7 +6192,7 @@
             </a:r>
           </a:p>
           <a:p>
-            <a:pPr indent="-228600" lvl="1" marL="914400" rtl="0">
+            <a:pPr marL="914400" lvl="1" indent="-228600" rtl="0">
               <a:spcBef>
                 <a:spcPts val="0"/>
               </a:spcBef>
@@ -5838,7 +6204,7 @@
             </a:r>
           </a:p>
           <a:p>
-            <a:pPr indent="-228600" lvl="0" marL="457200" rtl="0">
+            <a:pPr marL="457200" lvl="0" indent="-228600" rtl="0">
               <a:spcBef>
                 <a:spcPts val="0"/>
               </a:spcBef>
@@ -5856,18 +6222,18 @@
   <p:clrMapOvr>
     <a:masterClrMapping/>
   </p:clrMapOvr>
-  <p:transition spd="slow">
+  <p:transition xmlns:p14="http://schemas.microsoft.com/office/powerpoint/2010/main" spd="slow">
     <p:cut/>
   </p:transition>
 </p:sld>
 </file>
 
 <file path=ppt/slides/slide8.xml><?xml version="1.0" encoding="utf-8"?>
-<p:sld xmlns:a="http://schemas.openxmlformats.org/drawingml/2006/main" xmlns:r="http://schemas.openxmlformats.org/officeDocument/2006/relationships" xmlns:mc="http://schemas.openxmlformats.org/markup-compatibility/2006" xmlns:mv="urn:schemas-microsoft-com:mac:vml" xmlns:p="http://schemas.openxmlformats.org/presentationml/2006/main" xmlns:c="http://schemas.openxmlformats.org/drawingml/2006/chart" xmlns:dgm="http://schemas.openxmlformats.org/drawingml/2006/diagram" xmlns:o="urn:schemas-microsoft-com:office:office" xmlns:v="urn:schemas-microsoft-com:vml" xmlns:pvml="urn:schemas-microsoft-com:office:powerpoint" xmlns:com="http://schemas.openxmlformats.org/drawingml/2006/compatibility" xmlns:p14="http://schemas.microsoft.com/office/powerpoint/2010/main">
+<p:sld xmlns:a="http://schemas.openxmlformats.org/drawingml/2006/main" xmlns:r="http://schemas.openxmlformats.org/officeDocument/2006/relationships" xmlns:p="http://schemas.openxmlformats.org/presentationml/2006/main">
   <p:cSld>
     <p:spTree>
       <p:nvGrpSpPr>
-        <p:cNvPr id="99" name="Shape 99"/>
+        <p:cNvPr id="1" name="Shape 99"/>
         <p:cNvGrpSpPr/>
         <p:nvPr/>
       </p:nvGrpSpPr>
@@ -5882,7 +6248,9 @@
       <p:sp>
         <p:nvSpPr>
           <p:cNvPr id="100" name="Shape 100"/>
-          <p:cNvSpPr txBox="1"/>
+          <p:cNvSpPr txBox="1">
+            <a:spLocks noGrp="1"/>
+          </p:cNvSpPr>
           <p:nvPr>
             <p:ph type="title"/>
           </p:nvPr>
@@ -5897,7 +6265,7 @@
           </a:prstGeom>
         </p:spPr>
         <p:txBody>
-          <a:bodyPr anchorCtr="0" anchor="t" bIns="91425" lIns="91425" rIns="91425" tIns="91425">
+          <a:bodyPr lIns="91425" tIns="91425" rIns="91425" bIns="91425" anchor="t" anchorCtr="0">
             <a:noAutofit/>
           </a:bodyPr>
           <a:lstStyle/>
@@ -5909,18 +6277,29 @@
               <a:buNone/>
             </a:pPr>
             <a:r>
-              <a:rPr lang="en"/>
-              <a:t>DEmo</a:t>
+              <a:rPr lang="en" dirty="0" smtClean="0"/>
+              <a:t>D</a:t>
             </a:r>
+            <a:r>
+              <a:rPr lang="en-US" dirty="0" smtClean="0"/>
+              <a:t>e</a:t>
+            </a:r>
+            <a:r>
+              <a:rPr lang="en" dirty="0" smtClean="0"/>
+              <a:t>mo</a:t>
+            </a:r>
+            <a:endParaRPr lang="en" dirty="0"/>
           </a:p>
         </p:txBody>
       </p:sp>
       <p:sp>
         <p:nvSpPr>
           <p:cNvPr id="101" name="Shape 101"/>
-          <p:cNvSpPr txBox="1"/>
+          <p:cNvSpPr txBox="1">
+            <a:spLocks noGrp="1"/>
+          </p:cNvSpPr>
           <p:nvPr>
-            <p:ph idx="1" type="body"/>
+            <p:ph type="body" idx="1"/>
           </p:nvPr>
         </p:nvSpPr>
         <p:spPr>
@@ -5933,7 +6312,7 @@
           </a:prstGeom>
         </p:spPr>
         <p:txBody>
-          <a:bodyPr anchorCtr="0" anchor="t" bIns="91425" lIns="91425" rIns="91425" tIns="91425">
+          <a:bodyPr lIns="91425" tIns="91425" rIns="91425" bIns="91425" anchor="t" anchorCtr="0">
             <a:noAutofit/>
           </a:bodyPr>
           <a:lstStyle/>
@@ -5965,14 +6344,14 @@
   <p:clrMapOvr>
     <a:masterClrMapping/>
   </p:clrMapOvr>
-  <p:transition spd="slow">
+  <p:transition xmlns:p14="http://schemas.microsoft.com/office/powerpoint/2010/main" spd="slow">
     <p:cut/>
   </p:transition>
 </p:sld>
 </file>
 
 <file path=ppt/theme/theme1.xml><?xml version="1.0" encoding="utf-8"?>
-<a:theme xmlns:a="http://schemas.openxmlformats.org/drawingml/2006/main" xmlns:r="http://schemas.openxmlformats.org/officeDocument/2006/relationships" name="beach-day">
+<a:theme xmlns:a="http://schemas.openxmlformats.org/drawingml/2006/main" name="beach-day">
   <a:themeElements>
     <a:clrScheme name="Beach Day">
       <a:dk1>
@@ -6247,11 +6626,13 @@
       </a:bgFillStyleLst>
     </a:fmtScheme>
   </a:themeElements>
+  <a:objectDefaults/>
+  <a:extraClrSchemeLst/>
 </a:theme>
 </file>
 
 <file path=ppt/theme/theme2.xml><?xml version="1.0" encoding="utf-8"?>
-<a:theme xmlns:a="http://schemas.openxmlformats.org/drawingml/2006/main" xmlns:r="http://schemas.openxmlformats.org/officeDocument/2006/relationships" name="Custom Theme">
+<a:theme xmlns:a="http://schemas.openxmlformats.org/drawingml/2006/main" name="Custom Theme">
   <a:themeElements>
     <a:clrScheme name="Default">
       <a:dk1>
@@ -6526,5 +6907,7 @@
       </a:bgFillStyleLst>
     </a:fmtScheme>
   </a:themeElements>
+  <a:objectDefaults/>
+  <a:extraClrSchemeLst/>
 </a:theme>
 </file>